--- a/doxygen/src/images/blocks.pptx
+++ b/doxygen/src/images/blocks.pptx
@@ -6,7 +6,9 @@
   </p:sldMasterIdLst>
   <p:sldIdLst>
     <p:sldId id="256" r:id="rId2"/>
-    <p:sldId id="257" r:id="rId3"/>
+    <p:sldId id="258" r:id="rId3"/>
+    <p:sldId id="259" r:id="rId4"/>
+    <p:sldId id="257" r:id="rId5"/>
   </p:sldIdLst>
   <p:sldSz cx="12192000" cy="6858000"/>
   <p:notesSz cx="6858000" cy="9144000"/>
@@ -271,7 +273,7 @@
           <a:p>
             <a:fld id="{E1BCA6AF-7F69-456D-BB79-EC94A44BF887}" type="datetimeFigureOut">
               <a:rPr lang="en-US" smtClean="0"/>
-              <a:t>4/6/2023</a:t>
+              <a:t>5/10/2023</a:t>
             </a:fld>
             <a:endParaRPr lang="en-US"/>
           </a:p>
@@ -469,7 +471,7 @@
           <a:p>
             <a:fld id="{E1BCA6AF-7F69-456D-BB79-EC94A44BF887}" type="datetimeFigureOut">
               <a:rPr lang="en-US" smtClean="0"/>
-              <a:t>4/6/2023</a:t>
+              <a:t>5/10/2023</a:t>
             </a:fld>
             <a:endParaRPr lang="en-US"/>
           </a:p>
@@ -677,7 +679,7 @@
           <a:p>
             <a:fld id="{E1BCA6AF-7F69-456D-BB79-EC94A44BF887}" type="datetimeFigureOut">
               <a:rPr lang="en-US" smtClean="0"/>
-              <a:t>4/6/2023</a:t>
+              <a:t>5/10/2023</a:t>
             </a:fld>
             <a:endParaRPr lang="en-US"/>
           </a:p>
@@ -875,7 +877,7 @@
           <a:p>
             <a:fld id="{E1BCA6AF-7F69-456D-BB79-EC94A44BF887}" type="datetimeFigureOut">
               <a:rPr lang="en-US" smtClean="0"/>
-              <a:t>4/6/2023</a:t>
+              <a:t>5/10/2023</a:t>
             </a:fld>
             <a:endParaRPr lang="en-US"/>
           </a:p>
@@ -1150,7 +1152,7 @@
           <a:p>
             <a:fld id="{E1BCA6AF-7F69-456D-BB79-EC94A44BF887}" type="datetimeFigureOut">
               <a:rPr lang="en-US" smtClean="0"/>
-              <a:t>4/6/2023</a:t>
+              <a:t>5/10/2023</a:t>
             </a:fld>
             <a:endParaRPr lang="en-US"/>
           </a:p>
@@ -1415,7 +1417,7 @@
           <a:p>
             <a:fld id="{E1BCA6AF-7F69-456D-BB79-EC94A44BF887}" type="datetimeFigureOut">
               <a:rPr lang="en-US" smtClean="0"/>
-              <a:t>4/6/2023</a:t>
+              <a:t>5/10/2023</a:t>
             </a:fld>
             <a:endParaRPr lang="en-US"/>
           </a:p>
@@ -1827,7 +1829,7 @@
           <a:p>
             <a:fld id="{E1BCA6AF-7F69-456D-BB79-EC94A44BF887}" type="datetimeFigureOut">
               <a:rPr lang="en-US" smtClean="0"/>
-              <a:t>4/6/2023</a:t>
+              <a:t>5/10/2023</a:t>
             </a:fld>
             <a:endParaRPr lang="en-US"/>
           </a:p>
@@ -1968,7 +1970,7 @@
           <a:p>
             <a:fld id="{E1BCA6AF-7F69-456D-BB79-EC94A44BF887}" type="datetimeFigureOut">
               <a:rPr lang="en-US" smtClean="0"/>
-              <a:t>4/6/2023</a:t>
+              <a:t>5/10/2023</a:t>
             </a:fld>
             <a:endParaRPr lang="en-US"/>
           </a:p>
@@ -2081,7 +2083,7 @@
           <a:p>
             <a:fld id="{E1BCA6AF-7F69-456D-BB79-EC94A44BF887}" type="datetimeFigureOut">
               <a:rPr lang="en-US" smtClean="0"/>
-              <a:t>4/6/2023</a:t>
+              <a:t>5/10/2023</a:t>
             </a:fld>
             <a:endParaRPr lang="en-US"/>
           </a:p>
@@ -2392,7 +2394,7 @@
           <a:p>
             <a:fld id="{E1BCA6AF-7F69-456D-BB79-EC94A44BF887}" type="datetimeFigureOut">
               <a:rPr lang="en-US" smtClean="0"/>
-              <a:t>4/6/2023</a:t>
+              <a:t>5/10/2023</a:t>
             </a:fld>
             <a:endParaRPr lang="en-US"/>
           </a:p>
@@ -2680,7 +2682,7 @@
           <a:p>
             <a:fld id="{E1BCA6AF-7F69-456D-BB79-EC94A44BF887}" type="datetimeFigureOut">
               <a:rPr lang="en-US" smtClean="0"/>
-              <a:t>4/6/2023</a:t>
+              <a:t>5/10/2023</a:t>
             </a:fld>
             <a:endParaRPr lang="en-US"/>
           </a:p>
@@ -2921,7 +2923,7 @@
           <a:p>
             <a:fld id="{E1BCA6AF-7F69-456D-BB79-EC94A44BF887}" type="datetimeFigureOut">
               <a:rPr lang="en-US" smtClean="0"/>
-              <a:t>4/6/2023</a:t>
+              <a:t>5/10/2023</a:t>
             </a:fld>
             <a:endParaRPr lang="en-US"/>
           </a:p>
@@ -3340,10 +3342,10 @@
       </p:grpSpPr>
       <p:sp>
         <p:nvSpPr>
-          <p:cNvPr id="4" name="Rectangle 3">
-            <a:extLst>
-              <a:ext uri="{FF2B5EF4-FFF2-40B4-BE49-F238E27FC236}">
-                <a16:creationId xmlns:a16="http://schemas.microsoft.com/office/drawing/2014/main" id="{A83105C8-18D8-9562-D42D-D0510972E233}"/>
+          <p:cNvPr id="22" name="Rectangle 21">
+            <a:extLst>
+              <a:ext uri="{FF2B5EF4-FFF2-40B4-BE49-F238E27FC236}">
+                <a16:creationId xmlns:a16="http://schemas.microsoft.com/office/drawing/2014/main" id="{6ACD23E5-9F77-BE44-84DB-9F32EFC5D735}"/>
               </a:ext>
             </a:extLst>
           </p:cNvPr>
@@ -3352,8 +3354,120 @@
         </p:nvSpPr>
         <p:spPr>
           <a:xfrm>
-            <a:off x="1172095" y="748145"/>
-            <a:ext cx="3600000" cy="900000"/>
+            <a:off x="444138" y="592183"/>
+            <a:ext cx="6792686" cy="2483628"/>
+          </a:xfrm>
+          <a:prstGeom prst="rect">
+            <a:avLst/>
+          </a:prstGeom>
+          <a:solidFill>
+            <a:srgbClr val="7D868C"/>
+          </a:solidFill>
+          <a:ln>
+            <a:noFill/>
+          </a:ln>
+        </p:spPr>
+        <p:style>
+          <a:lnRef idx="2">
+            <a:schemeClr val="accent1">
+              <a:shade val="50000"/>
+            </a:schemeClr>
+          </a:lnRef>
+          <a:fillRef idx="1">
+            <a:schemeClr val="accent1"/>
+          </a:fillRef>
+          <a:effectRef idx="0">
+            <a:schemeClr val="accent1"/>
+          </a:effectRef>
+          <a:fontRef idx="minor">
+            <a:schemeClr val="lt1"/>
+          </a:fontRef>
+        </p:style>
+        <p:txBody>
+          <a:bodyPr vert="vert270" rtlCol="0" anchor="t"/>
+          <a:lstStyle/>
+          <a:p>
+            <a:pPr algn="ctr"/>
+            <a:r>
+              <a:rPr lang="en-US" sz="2400" dirty="0"/>
+              <a:t>C library</a:t>
+            </a:r>
+            <a:endParaRPr lang="en-US" dirty="0"/>
+          </a:p>
+        </p:txBody>
+      </p:sp>
+      <p:sp>
+        <p:nvSpPr>
+          <p:cNvPr id="21" name="Rectangle 20">
+            <a:extLst>
+              <a:ext uri="{FF2B5EF4-FFF2-40B4-BE49-F238E27FC236}">
+                <a16:creationId xmlns:a16="http://schemas.microsoft.com/office/drawing/2014/main" id="{79689082-F0F3-4E5C-8BEC-EF01E8AD66E2}"/>
+              </a:ext>
+            </a:extLst>
+          </p:cNvPr>
+          <p:cNvSpPr/>
+          <p:nvPr/>
+        </p:nvSpPr>
+        <p:spPr>
+          <a:xfrm>
+            <a:off x="444138" y="3293527"/>
+            <a:ext cx="6792686" cy="1618098"/>
+          </a:xfrm>
+          <a:prstGeom prst="rect">
+            <a:avLst/>
+          </a:prstGeom>
+          <a:solidFill>
+            <a:srgbClr val="7D868C"/>
+          </a:solidFill>
+          <a:ln>
+            <a:noFill/>
+          </a:ln>
+        </p:spPr>
+        <p:style>
+          <a:lnRef idx="2">
+            <a:schemeClr val="accent1">
+              <a:shade val="50000"/>
+            </a:schemeClr>
+          </a:lnRef>
+          <a:fillRef idx="1">
+            <a:schemeClr val="accent1"/>
+          </a:fillRef>
+          <a:effectRef idx="0">
+            <a:schemeClr val="accent1"/>
+          </a:effectRef>
+          <a:fontRef idx="minor">
+            <a:schemeClr val="lt1"/>
+          </a:fontRef>
+        </p:style>
+        <p:txBody>
+          <a:bodyPr vert="vert270" rtlCol="0" anchor="t"/>
+          <a:lstStyle/>
+          <a:p>
+            <a:pPr algn="ctr"/>
+            <a:r>
+              <a:rPr lang="en-US" sz="2400" dirty="0"/>
+              <a:t>Retarget</a:t>
+            </a:r>
+            <a:endParaRPr lang="en-US" dirty="0"/>
+          </a:p>
+        </p:txBody>
+      </p:sp>
+      <p:sp>
+        <p:nvSpPr>
+          <p:cNvPr id="4" name="Rectangle 3">
+            <a:extLst>
+              <a:ext uri="{FF2B5EF4-FFF2-40B4-BE49-F238E27FC236}">
+                <a16:creationId xmlns:a16="http://schemas.microsoft.com/office/drawing/2014/main" id="{A83105C8-18D8-9562-D42D-D0510972E233}"/>
+              </a:ext>
+            </a:extLst>
+          </p:cNvPr>
+          <p:cNvSpPr/>
+          <p:nvPr/>
+        </p:nvSpPr>
+        <p:spPr>
+          <a:xfrm>
+            <a:off x="1172094" y="748145"/>
+            <a:ext cx="5864431" cy="900000"/>
           </a:xfrm>
           <a:prstGeom prst="rect">
             <a:avLst/>
@@ -3388,7 +3502,7 @@
             <a:pPr algn="ctr"/>
             <a:r>
               <a:rPr lang="en-US" sz="2400" dirty="0"/>
-              <a:t>High-level functions</a:t>
+              <a:t>Standard C library functions</a:t>
             </a:r>
           </a:p>
           <a:p>
@@ -3397,7 +3511,7 @@
               <a:rPr lang="en-US" sz="1600" dirty="0" err="1">
                 <a:latin typeface="Consolas" panose="020B0609020204030204" pitchFamily="49" charset="0"/>
               </a:rPr>
-              <a:t>printf</a:t>
+              <a:t>fopen,fwrite,printf</a:t>
             </a:r>
             <a:r>
               <a:rPr lang="en-US" dirty="0"/>
@@ -3411,7 +3525,7 @@
             </a:r>
             <a:r>
               <a:rPr lang="en-US" dirty="0"/>
-              <a:t>, etc.</a:t>
+              <a:t>, …</a:t>
             </a:r>
           </a:p>
         </p:txBody>
@@ -3466,40 +3580,106 @@
             <a:pPr algn="ctr"/>
             <a:r>
               <a:rPr lang="en-US" sz="2400" dirty="0"/>
-              <a:t>Low-level functions</a:t>
-            </a:r>
-          </a:p>
-          <a:p>
-            <a:pPr algn="ctr"/>
-            <a:r>
-              <a:rPr lang="en-US" sz="1600" dirty="0" err="1">
-                <a:latin typeface="Consolas" panose="020B0609020204030204" pitchFamily="49" charset="0"/>
-              </a:rPr>
-              <a:t>fputc</a:t>
-            </a:r>
-            <a:r>
-              <a:rPr lang="en-US" dirty="0"/>
-              <a:t>, </a:t>
-            </a:r>
-            <a:r>
-              <a:rPr lang="en-US" sz="1600" dirty="0" err="1">
-                <a:latin typeface="Consolas" panose="020B0609020204030204" pitchFamily="49" charset="0"/>
-              </a:rPr>
-              <a:t>fgetc</a:t>
-            </a:r>
-            <a:r>
-              <a:rPr lang="en-US" dirty="0"/>
-              <a:t>, etc.</a:t>
-            </a:r>
-          </a:p>
-        </p:txBody>
-      </p:sp>
-      <p:sp>
-        <p:nvSpPr>
-          <p:cNvPr id="6" name="Rectangle 5">
-            <a:extLst>
-              <a:ext uri="{FF2B5EF4-FFF2-40B4-BE49-F238E27FC236}">
-                <a16:creationId xmlns:a16="http://schemas.microsoft.com/office/drawing/2014/main" id="{6377A78B-BDEF-AAA9-5F40-048932F7FF43}"/>
+              <a:t>Low-level I/O</a:t>
+            </a:r>
+          </a:p>
+        </p:txBody>
+      </p:sp>
+      <p:cxnSp>
+        <p:nvCxnSpPr>
+          <p:cNvPr id="8" name="Straight Arrow Connector 7">
+            <a:extLst>
+              <a:ext uri="{FF2B5EF4-FFF2-40B4-BE49-F238E27FC236}">
+                <a16:creationId xmlns:a16="http://schemas.microsoft.com/office/drawing/2014/main" id="{581BD047-5174-D705-D9B6-DE4BE0D4F9FC}"/>
+              </a:ext>
+            </a:extLst>
+          </p:cNvPr>
+          <p:cNvCxnSpPr>
+            <a:cxnSpLocks/>
+            <a:endCxn id="5" idx="0"/>
+          </p:cNvCxnSpPr>
+          <p:nvPr/>
+        </p:nvCxnSpPr>
+        <p:spPr>
+          <a:xfrm>
+            <a:off x="2972095" y="1648145"/>
+            <a:ext cx="0" cy="328725"/>
+          </a:xfrm>
+          <a:prstGeom prst="straightConnector1">
+            <a:avLst/>
+          </a:prstGeom>
+          <a:ln w="76200">
+            <a:solidFill>
+              <a:srgbClr val="002B49"/>
+            </a:solidFill>
+            <a:tailEnd type="triangle"/>
+          </a:ln>
+        </p:spPr>
+        <p:style>
+          <a:lnRef idx="1">
+            <a:schemeClr val="accent1"/>
+          </a:lnRef>
+          <a:fillRef idx="0">
+            <a:schemeClr val="accent1"/>
+          </a:fillRef>
+          <a:effectRef idx="0">
+            <a:schemeClr val="accent1"/>
+          </a:effectRef>
+          <a:fontRef idx="minor">
+            <a:schemeClr val="tx1"/>
+          </a:fontRef>
+        </p:style>
+      </p:cxnSp>
+      <p:cxnSp>
+        <p:nvCxnSpPr>
+          <p:cNvPr id="9" name="Straight Arrow Connector 8">
+            <a:extLst>
+              <a:ext uri="{FF2B5EF4-FFF2-40B4-BE49-F238E27FC236}">
+                <a16:creationId xmlns:a16="http://schemas.microsoft.com/office/drawing/2014/main" id="{872093DA-7284-B81F-0358-B1CBFE61E298}"/>
+              </a:ext>
+            </a:extLst>
+          </p:cNvPr>
+          <p:cNvCxnSpPr>
+            <a:cxnSpLocks/>
+          </p:cNvCxnSpPr>
+          <p:nvPr/>
+        </p:nvCxnSpPr>
+        <p:spPr>
+          <a:xfrm>
+            <a:off x="1896688" y="2876870"/>
+            <a:ext cx="9652" cy="598680"/>
+          </a:xfrm>
+          <a:prstGeom prst="straightConnector1">
+            <a:avLst/>
+          </a:prstGeom>
+          <a:ln w="76200">
+            <a:solidFill>
+              <a:srgbClr val="002B49"/>
+            </a:solidFill>
+            <a:tailEnd type="triangle"/>
+          </a:ln>
+        </p:spPr>
+        <p:style>
+          <a:lnRef idx="1">
+            <a:schemeClr val="accent1"/>
+          </a:lnRef>
+          <a:fillRef idx="0">
+            <a:schemeClr val="accent1"/>
+          </a:fillRef>
+          <a:effectRef idx="0">
+            <a:schemeClr val="accent1"/>
+          </a:effectRef>
+          <a:fontRef idx="minor">
+            <a:schemeClr val="tx1"/>
+          </a:fontRef>
+        </p:style>
+      </p:cxnSp>
+      <p:sp>
+        <p:nvSpPr>
+          <p:cNvPr id="7" name="Rectangle 6">
+            <a:extLst>
+              <a:ext uri="{FF2B5EF4-FFF2-40B4-BE49-F238E27FC236}">
+                <a16:creationId xmlns:a16="http://schemas.microsoft.com/office/drawing/2014/main" id="{D0CE44A8-1CE4-1911-CB9D-E17A4C6D2566}"/>
               </a:ext>
             </a:extLst>
           </p:cNvPr>
@@ -3508,8 +3688,69 @@
         </p:nvSpPr>
         <p:spPr>
           <a:xfrm>
-            <a:off x="1172095" y="3205595"/>
-            <a:ext cx="3600000" cy="900000"/>
+            <a:off x="7676715" y="1362506"/>
+            <a:ext cx="3012964" cy="900000"/>
+          </a:xfrm>
+          <a:prstGeom prst="rect">
+            <a:avLst/>
+          </a:prstGeom>
+          <a:noFill/>
+          <a:ln>
+            <a:noFill/>
+          </a:ln>
+        </p:spPr>
+        <p:style>
+          <a:lnRef idx="2">
+            <a:schemeClr val="accent1">
+              <a:shade val="50000"/>
+            </a:schemeClr>
+          </a:lnRef>
+          <a:fillRef idx="1">
+            <a:schemeClr val="accent1"/>
+          </a:fillRef>
+          <a:effectRef idx="0">
+            <a:schemeClr val="accent1"/>
+          </a:effectRef>
+          <a:fontRef idx="minor">
+            <a:schemeClr val="lt1"/>
+          </a:fontRef>
+        </p:style>
+        <p:txBody>
+          <a:bodyPr rtlCol="0" anchor="ctr"/>
+          <a:lstStyle/>
+          <a:p>
+            <a:r>
+              <a:rPr lang="en-US" sz="2400" dirty="0">
+                <a:solidFill>
+                  <a:sysClr val="windowText" lastClr="000000"/>
+                </a:solidFill>
+              </a:rPr>
+              <a:t>Platform independent</a:t>
+            </a:r>
+            <a:endParaRPr lang="en-US" dirty="0">
+              <a:solidFill>
+                <a:sysClr val="windowText" lastClr="000000"/>
+              </a:solidFill>
+            </a:endParaRPr>
+          </a:p>
+        </p:txBody>
+      </p:sp>
+      <p:sp>
+        <p:nvSpPr>
+          <p:cNvPr id="13" name="Rectangle 12">
+            <a:extLst>
+              <a:ext uri="{FF2B5EF4-FFF2-40B4-BE49-F238E27FC236}">
+                <a16:creationId xmlns:a16="http://schemas.microsoft.com/office/drawing/2014/main" id="{1FCF7C9E-4FBE-3920-E35D-B2F27325442C}"/>
+              </a:ext>
+            </a:extLst>
+          </p:cNvPr>
+          <p:cNvSpPr/>
+          <p:nvPr/>
+        </p:nvSpPr>
+        <p:spPr>
+          <a:xfrm>
+            <a:off x="5012572" y="3472361"/>
+            <a:ext cx="1888077" cy="1221548"/>
           </a:xfrm>
           <a:prstGeom prst="rect">
             <a:avLst/>
@@ -3544,65 +3785,92 @@
             <a:pPr algn="ctr"/>
             <a:r>
               <a:rPr lang="en-US" sz="2400" dirty="0"/>
-              <a:t>System I/O functions</a:t>
-            </a:r>
-          </a:p>
+              <a:t>OS Interface</a:t>
+            </a:r>
+            <a:endParaRPr lang="en-US" dirty="0"/>
+          </a:p>
+        </p:txBody>
+      </p:sp>
+      <p:sp>
+        <p:nvSpPr>
+          <p:cNvPr id="14" name="Rectangle 13">
+            <a:extLst>
+              <a:ext uri="{FF2B5EF4-FFF2-40B4-BE49-F238E27FC236}">
+                <a16:creationId xmlns:a16="http://schemas.microsoft.com/office/drawing/2014/main" id="{12D31C86-25E5-D81A-BF10-703957C96F2F}"/>
+              </a:ext>
+            </a:extLst>
+          </p:cNvPr>
+          <p:cNvSpPr/>
+          <p:nvPr/>
+        </p:nvSpPr>
+        <p:spPr>
+          <a:xfrm>
+            <a:off x="4868881" y="1980062"/>
+            <a:ext cx="2167645" cy="900000"/>
+          </a:xfrm>
+          <a:prstGeom prst="rect">
+            <a:avLst/>
+          </a:prstGeom>
+          <a:solidFill>
+            <a:srgbClr val="002B49"/>
+          </a:solidFill>
+          <a:ln>
+            <a:noFill/>
+          </a:ln>
+        </p:spPr>
+        <p:style>
+          <a:lnRef idx="2">
+            <a:schemeClr val="accent1">
+              <a:shade val="50000"/>
+            </a:schemeClr>
+          </a:lnRef>
+          <a:fillRef idx="1">
+            <a:schemeClr val="accent1"/>
+          </a:fillRef>
+          <a:effectRef idx="0">
+            <a:schemeClr val="accent1"/>
+          </a:effectRef>
+          <a:fontRef idx="minor">
+            <a:schemeClr val="lt1"/>
+          </a:fontRef>
+        </p:style>
+        <p:txBody>
+          <a:bodyPr rtlCol="0" anchor="ctr"/>
+          <a:lstStyle/>
           <a:p>
             <a:pPr algn="ctr"/>
             <a:r>
-              <a:rPr lang="en-US" sz="1600" dirty="0">
-                <a:latin typeface="Consolas" panose="020B0609020204030204" pitchFamily="49" charset="0"/>
-              </a:rPr>
-              <a:t>_</a:t>
-            </a:r>
-            <a:r>
-              <a:rPr lang="en-US" sz="1600" dirty="0" err="1">
-                <a:latin typeface="Consolas" panose="020B0609020204030204" pitchFamily="49" charset="0"/>
-              </a:rPr>
-              <a:t>sys_write</a:t>
-            </a:r>
-            <a:r>
-              <a:rPr lang="en-US" dirty="0"/>
-              <a:t>, </a:t>
-            </a:r>
-            <a:r>
-              <a:rPr lang="en-US" sz="1600" dirty="0">
-                <a:latin typeface="Consolas" panose="020B0609020204030204" pitchFamily="49" charset="0"/>
-              </a:rPr>
-              <a:t>_</a:t>
-            </a:r>
-            <a:r>
-              <a:rPr lang="en-US" sz="1600" dirty="0" err="1">
-                <a:latin typeface="Consolas" panose="020B0609020204030204" pitchFamily="49" charset="0"/>
-              </a:rPr>
-              <a:t>sys_read</a:t>
-            </a:r>
-            <a:r>
-              <a:rPr lang="en-US" dirty="0"/>
-              <a:t>, etc.</a:t>
+              <a:rPr lang="en-US" sz="2400" dirty="0"/>
+              <a:t>Multithreading</a:t>
+            </a:r>
+          </a:p>
+          <a:p>
+            <a:pPr algn="ctr"/>
+            <a:r>
+              <a:rPr lang="en-US" sz="2400" dirty="0"/>
+              <a:t>support</a:t>
             </a:r>
           </a:p>
         </p:txBody>
       </p:sp>
       <p:cxnSp>
         <p:nvCxnSpPr>
-          <p:cNvPr id="8" name="Straight Arrow Connector 7">
-            <a:extLst>
-              <a:ext uri="{FF2B5EF4-FFF2-40B4-BE49-F238E27FC236}">
-                <a16:creationId xmlns:a16="http://schemas.microsoft.com/office/drawing/2014/main" id="{581BD047-5174-D705-D9B6-DE4BE0D4F9FC}"/>
+          <p:cNvPr id="18" name="Straight Arrow Connector 17">
+            <a:extLst>
+              <a:ext uri="{FF2B5EF4-FFF2-40B4-BE49-F238E27FC236}">
+                <a16:creationId xmlns:a16="http://schemas.microsoft.com/office/drawing/2014/main" id="{FB197597-8A76-E14A-1886-FA5CF0BADB52}"/>
               </a:ext>
             </a:extLst>
           </p:cNvPr>
           <p:cNvCxnSpPr>
-            <a:stCxn id="4" idx="2"/>
-            <a:endCxn id="5" idx="0"/>
+            <a:cxnSpLocks/>
           </p:cNvCxnSpPr>
           <p:nvPr/>
         </p:nvCxnSpPr>
         <p:spPr>
           <a:xfrm>
-            <a:off x="2972095" y="1648145"/>
-            <a:ext cx="0" cy="328725"/>
+            <a:off x="3706339" y="2876870"/>
+            <a:ext cx="0" cy="595492"/>
           </a:xfrm>
           <a:prstGeom prst="straightConnector1">
             <a:avLst/>
@@ -3631,24 +3899,24 @@
       </p:cxnSp>
       <p:cxnSp>
         <p:nvCxnSpPr>
-          <p:cNvPr id="9" name="Straight Arrow Connector 8">
-            <a:extLst>
-              <a:ext uri="{FF2B5EF4-FFF2-40B4-BE49-F238E27FC236}">
-                <a16:creationId xmlns:a16="http://schemas.microsoft.com/office/drawing/2014/main" id="{872093DA-7284-B81F-0358-B1CBFE61E298}"/>
+          <p:cNvPr id="19" name="Straight Arrow Connector 18">
+            <a:extLst>
+              <a:ext uri="{FF2B5EF4-FFF2-40B4-BE49-F238E27FC236}">
+                <a16:creationId xmlns:a16="http://schemas.microsoft.com/office/drawing/2014/main" id="{A9559498-2FCA-0AB1-0169-479395503403}"/>
               </a:ext>
             </a:extLst>
           </p:cNvPr>
           <p:cNvCxnSpPr>
             <a:cxnSpLocks/>
-            <a:stCxn id="5" idx="2"/>
-            <a:endCxn id="6" idx="0"/>
+            <a:stCxn id="14" idx="2"/>
+            <a:endCxn id="13" idx="0"/>
           </p:cNvCxnSpPr>
           <p:nvPr/>
         </p:nvCxnSpPr>
         <p:spPr>
           <a:xfrm>
-            <a:off x="2972095" y="2876870"/>
-            <a:ext cx="0" cy="328725"/>
+            <a:off x="5952704" y="2880062"/>
+            <a:ext cx="3907" cy="592299"/>
           </a:xfrm>
           <a:prstGeom prst="straightConnector1">
             <a:avLst/>
@@ -3675,33 +3943,34 @@
           </a:fontRef>
         </p:style>
       </p:cxnSp>
-      <p:sp>
-        <p:nvSpPr>
-          <p:cNvPr id="2" name="Right Brace 1">
-            <a:extLst>
-              <a:ext uri="{FF2B5EF4-FFF2-40B4-BE49-F238E27FC236}">
-                <a16:creationId xmlns:a16="http://schemas.microsoft.com/office/drawing/2014/main" id="{F9A7077A-9B5E-A533-7DE4-340A245347CE}"/>
-              </a:ext>
-            </a:extLst>
-          </p:cNvPr>
-          <p:cNvSpPr/>
+      <p:cxnSp>
+        <p:nvCxnSpPr>
+          <p:cNvPr id="20" name="Straight Arrow Connector 19">
+            <a:extLst>
+              <a:ext uri="{FF2B5EF4-FFF2-40B4-BE49-F238E27FC236}">
+                <a16:creationId xmlns:a16="http://schemas.microsoft.com/office/drawing/2014/main" id="{D1344F35-B340-B9DD-CBD0-149C0D475A46}"/>
+              </a:ext>
+            </a:extLst>
+          </p:cNvPr>
+          <p:cNvCxnSpPr>
+            <a:cxnSpLocks/>
+            <a:endCxn id="14" idx="0"/>
+          </p:cNvCxnSpPr>
           <p:nvPr/>
-        </p:nvSpPr>
-        <p:spPr>
-          <a:xfrm>
-            <a:off x="4871258" y="748145"/>
-            <a:ext cx="831272" cy="2128725"/>
-          </a:xfrm>
-          <a:prstGeom prst="rightBrace">
-            <a:avLst>
-              <a:gd name="adj1" fmla="val 44333"/>
-              <a:gd name="adj2" fmla="val 50000"/>
-            </a:avLst>
+        </p:nvCxnSpPr>
+        <p:spPr>
+          <a:xfrm>
+            <a:off x="5952704" y="1648145"/>
+            <a:ext cx="0" cy="331917"/>
+          </a:xfrm>
+          <a:prstGeom prst="straightConnector1">
+            <a:avLst/>
           </a:prstGeom>
-          <a:ln w="38100">
+          <a:ln w="76200">
             <a:solidFill>
               <a:srgbClr val="002B49"/>
             </a:solidFill>
+            <a:tailEnd type="triangle"/>
           </a:ln>
         </p:spPr>
         <p:style>
@@ -3718,21 +3987,13 @@
             <a:schemeClr val="tx1"/>
           </a:fontRef>
         </p:style>
-        <p:txBody>
-          <a:bodyPr rtlCol="0" anchor="ctr"/>
-          <a:lstStyle/>
-          <a:p>
-            <a:pPr algn="ctr"/>
-            <a:endParaRPr lang="en-US"/>
-          </a:p>
-        </p:txBody>
-      </p:sp>
-      <p:sp>
-        <p:nvSpPr>
-          <p:cNvPr id="7" name="Rectangle 6">
-            <a:extLst>
-              <a:ext uri="{FF2B5EF4-FFF2-40B4-BE49-F238E27FC236}">
-                <a16:creationId xmlns:a16="http://schemas.microsoft.com/office/drawing/2014/main" id="{D0CE44A8-1CE4-1911-CB9D-E17A4C6D2566}"/>
+      </p:cxnSp>
+      <p:sp>
+        <p:nvSpPr>
+          <p:cNvPr id="31" name="Rectangle 30">
+            <a:extLst>
+              <a:ext uri="{FF2B5EF4-FFF2-40B4-BE49-F238E27FC236}">
+                <a16:creationId xmlns:a16="http://schemas.microsoft.com/office/drawing/2014/main" id="{093D5D71-3156-8C36-291D-D9172203E6E6}"/>
               </a:ext>
             </a:extLst>
           </p:cNvPr>
@@ -3741,8 +4002,8 @@
         </p:nvSpPr>
         <p:spPr>
           <a:xfrm>
-            <a:off x="5801692" y="1362507"/>
-            <a:ext cx="3600000" cy="900000"/>
+            <a:off x="7679036" y="3633135"/>
+            <a:ext cx="2250375" cy="900000"/>
           </a:xfrm>
           <a:prstGeom prst="rect">
             <a:avLst/>
@@ -3778,7 +4039,7 @@
                   <a:sysClr val="windowText" lastClr="000000"/>
                 </a:solidFill>
               </a:rPr>
-              <a:t>Hardware independent</a:t>
+              <a:t>Platform specific</a:t>
             </a:r>
             <a:endParaRPr lang="en-US" dirty="0">
               <a:solidFill>
@@ -3790,10 +4051,10 @@
       </p:sp>
       <p:sp>
         <p:nvSpPr>
-          <p:cNvPr id="10" name="Rectangle 9">
-            <a:extLst>
-              <a:ext uri="{FF2B5EF4-FFF2-40B4-BE49-F238E27FC236}">
-                <a16:creationId xmlns:a16="http://schemas.microsoft.com/office/drawing/2014/main" id="{32A3820F-4BCA-E2F3-CB65-2EF4F0D639FD}"/>
+          <p:cNvPr id="32" name="Right Brace 31">
+            <a:extLst>
+              <a:ext uri="{FF2B5EF4-FFF2-40B4-BE49-F238E27FC236}">
+                <a16:creationId xmlns:a16="http://schemas.microsoft.com/office/drawing/2014/main" id="{B605A024-7991-0F16-0A9F-914C95B2A56D}"/>
               </a:ext>
             </a:extLst>
           </p:cNvPr>
@@ -3802,13 +4063,220 @@
         </p:nvSpPr>
         <p:spPr>
           <a:xfrm>
-            <a:off x="5801692" y="3205595"/>
-            <a:ext cx="3600000" cy="900000"/>
+            <a:off x="7314459" y="748144"/>
+            <a:ext cx="362172" cy="2128725"/>
+          </a:xfrm>
+          <a:prstGeom prst="rightBrace">
+            <a:avLst>
+              <a:gd name="adj1" fmla="val 67588"/>
+              <a:gd name="adj2" fmla="val 50000"/>
+            </a:avLst>
+          </a:prstGeom>
+          <a:ln w="25400">
+            <a:extLst>
+              <a:ext uri="{C807C97D-BFC1-408E-A445-0C87EB9F89A2}">
+                <ask:lineSketchStyleProps xmlns:ask="http://schemas.microsoft.com/office/drawing/2018/sketchyshapes" sd="1219033472">
+                  <a:custGeom>
+                    <a:avLst/>
+                    <a:gdLst>
+                      <a:gd name="connsiteX0" fmla="*/ 0 w 362172"/>
+                      <a:gd name="connsiteY0" fmla="*/ 0 h 2128725"/>
+                      <a:gd name="connsiteX1" fmla="*/ 181086 w 362172"/>
+                      <a:gd name="connsiteY1" fmla="*/ 30180 h 2128725"/>
+                      <a:gd name="connsiteX2" fmla="*/ 181086 w 362172"/>
+                      <a:gd name="connsiteY2" fmla="*/ 1034183 h 2128725"/>
+                      <a:gd name="connsiteX3" fmla="*/ 362172 w 362172"/>
+                      <a:gd name="connsiteY3" fmla="*/ 1064363 h 2128725"/>
+                      <a:gd name="connsiteX4" fmla="*/ 181086 w 362172"/>
+                      <a:gd name="connsiteY4" fmla="*/ 1094543 h 2128725"/>
+                      <a:gd name="connsiteX5" fmla="*/ 181086 w 362172"/>
+                      <a:gd name="connsiteY5" fmla="*/ 2098545 h 2128725"/>
+                      <a:gd name="connsiteX6" fmla="*/ 0 w 362172"/>
+                      <a:gd name="connsiteY6" fmla="*/ 2128725 h 2128725"/>
+                      <a:gd name="connsiteX7" fmla="*/ 0 w 362172"/>
+                      <a:gd name="connsiteY7" fmla="*/ 0 h 2128725"/>
+                      <a:gd name="connsiteX0" fmla="*/ 0 w 362172"/>
+                      <a:gd name="connsiteY0" fmla="*/ 0 h 2128725"/>
+                      <a:gd name="connsiteX1" fmla="*/ 181086 w 362172"/>
+                      <a:gd name="connsiteY1" fmla="*/ 30180 h 2128725"/>
+                      <a:gd name="connsiteX2" fmla="*/ 181086 w 362172"/>
+                      <a:gd name="connsiteY2" fmla="*/ 1034183 h 2128725"/>
+                      <a:gd name="connsiteX3" fmla="*/ 362172 w 362172"/>
+                      <a:gd name="connsiteY3" fmla="*/ 1064363 h 2128725"/>
+                      <a:gd name="connsiteX4" fmla="*/ 181086 w 362172"/>
+                      <a:gd name="connsiteY4" fmla="*/ 1094543 h 2128725"/>
+                      <a:gd name="connsiteX5" fmla="*/ 181086 w 362172"/>
+                      <a:gd name="connsiteY5" fmla="*/ 2098545 h 2128725"/>
+                      <a:gd name="connsiteX6" fmla="*/ 0 w 362172"/>
+                      <a:gd name="connsiteY6" fmla="*/ 2128725 h 2128725"/>
+                    </a:gdLst>
+                    <a:ahLst/>
+                    <a:cxnLst>
+                      <a:cxn ang="0">
+                        <a:pos x="connsiteX0" y="connsiteY0"/>
+                      </a:cxn>
+                      <a:cxn ang="0">
+                        <a:pos x="connsiteX1" y="connsiteY1"/>
+                      </a:cxn>
+                      <a:cxn ang="0">
+                        <a:pos x="connsiteX2" y="connsiteY2"/>
+                      </a:cxn>
+                      <a:cxn ang="0">
+                        <a:pos x="connsiteX3" y="connsiteY3"/>
+                      </a:cxn>
+                      <a:cxn ang="0">
+                        <a:pos x="connsiteX4" y="connsiteY4"/>
+                      </a:cxn>
+                      <a:cxn ang="0">
+                        <a:pos x="connsiteX5" y="connsiteY5"/>
+                      </a:cxn>
+                      <a:cxn ang="0">
+                        <a:pos x="connsiteX6" y="connsiteY6"/>
+                      </a:cxn>
+                    </a:cxnLst>
+                    <a:rect l="l" t="t" r="r" b="b"/>
+                    <a:pathLst>
+                      <a:path w="362172" h="2128725" stroke="0" extrusionOk="0">
+                        <a:moveTo>
+                          <a:pt x="0" y="0"/>
+                        </a:moveTo>
+                        <a:cubicBezTo>
+                          <a:pt x="97511" y="-1542"/>
+                          <a:pt x="180184" y="13851"/>
+                          <a:pt x="181086" y="30180"/>
+                        </a:cubicBezTo>
+                        <a:cubicBezTo>
+                          <a:pt x="143640" y="365479"/>
+                          <a:pt x="192680" y="626190"/>
+                          <a:pt x="181086" y="1034183"/>
+                        </a:cubicBezTo>
+                        <a:cubicBezTo>
+                          <a:pt x="170533" y="1061156"/>
+                          <a:pt x="261887" y="1065878"/>
+                          <a:pt x="362172" y="1064363"/>
+                        </a:cubicBezTo>
+                        <a:cubicBezTo>
+                          <a:pt x="260188" y="1063283"/>
+                          <a:pt x="182184" y="1078399"/>
+                          <a:pt x="181086" y="1094543"/>
+                        </a:cubicBezTo>
+                        <a:cubicBezTo>
+                          <a:pt x="262124" y="1241658"/>
+                          <a:pt x="205367" y="1631393"/>
+                          <a:pt x="181086" y="2098545"/>
+                        </a:cubicBezTo>
+                        <a:cubicBezTo>
+                          <a:pt x="178374" y="2114798"/>
+                          <a:pt x="93947" y="2134434"/>
+                          <a:pt x="0" y="2128725"/>
+                        </a:cubicBezTo>
+                        <a:cubicBezTo>
+                          <a:pt x="48231" y="1302332"/>
+                          <a:pt x="-84455" y="352685"/>
+                          <a:pt x="0" y="0"/>
+                        </a:cubicBezTo>
+                        <a:close/>
+                      </a:path>
+                      <a:path w="362172" h="2128725" fill="none" extrusionOk="0">
+                        <a:moveTo>
+                          <a:pt x="0" y="0"/>
+                        </a:moveTo>
+                        <a:cubicBezTo>
+                          <a:pt x="101062" y="588"/>
+                          <a:pt x="183221" y="14025"/>
+                          <a:pt x="181086" y="30180"/>
+                        </a:cubicBezTo>
+                        <a:cubicBezTo>
+                          <a:pt x="123237" y="380510"/>
+                          <a:pt x="91010" y="774728"/>
+                          <a:pt x="181086" y="1034183"/>
+                        </a:cubicBezTo>
+                        <a:cubicBezTo>
+                          <a:pt x="182155" y="1052442"/>
+                          <a:pt x="262816" y="1071145"/>
+                          <a:pt x="362172" y="1064363"/>
+                        </a:cubicBezTo>
+                        <a:cubicBezTo>
+                          <a:pt x="263446" y="1066343"/>
+                          <a:pt x="182775" y="1079944"/>
+                          <a:pt x="181086" y="1094543"/>
+                        </a:cubicBezTo>
+                        <a:cubicBezTo>
+                          <a:pt x="166592" y="1584448"/>
+                          <a:pt x="238240" y="1699378"/>
+                          <a:pt x="181086" y="2098545"/>
+                        </a:cubicBezTo>
+                        <a:cubicBezTo>
+                          <a:pt x="167180" y="2117497"/>
+                          <a:pt x="98288" y="2127536"/>
+                          <a:pt x="0" y="2128725"/>
+                        </a:cubicBezTo>
+                      </a:path>
+                    </a:pathLst>
+                  </a:custGeom>
+                  <ask:type>
+                    <ask:lineSketchNone/>
+                  </ask:type>
+                </ask:lineSketchStyleProps>
+              </a:ext>
+            </a:extLst>
+          </a:ln>
+        </p:spPr>
+        <p:style>
+          <a:lnRef idx="1">
+            <a:schemeClr val="dk1"/>
+          </a:lnRef>
+          <a:fillRef idx="0">
+            <a:schemeClr val="dk1"/>
+          </a:fillRef>
+          <a:effectRef idx="0">
+            <a:schemeClr val="dk1"/>
+          </a:effectRef>
+          <a:fontRef idx="minor">
+            <a:schemeClr val="tx1"/>
+          </a:fontRef>
+        </p:style>
+        <p:txBody>
+          <a:bodyPr rtlCol="0" anchor="ctr"/>
+          <a:lstStyle/>
+          <a:p>
+            <a:pPr algn="ctr"/>
+            <a:endParaRPr lang="en-US">
+              <a:ln w="0"/>
+              <a:effectLst>
+                <a:outerShdw blurRad="38100" dist="19050" dir="2700000" algn="tl" rotWithShape="0">
+                  <a:schemeClr val="dk1">
+                    <a:alpha val="40000"/>
+                  </a:schemeClr>
+                </a:outerShdw>
+              </a:effectLst>
+            </a:endParaRPr>
+          </a:p>
+        </p:txBody>
+      </p:sp>
+      <p:sp>
+        <p:nvSpPr>
+          <p:cNvPr id="3" name="Rectangle 2">
+            <a:extLst>
+              <a:ext uri="{FF2B5EF4-FFF2-40B4-BE49-F238E27FC236}">
+                <a16:creationId xmlns:a16="http://schemas.microsoft.com/office/drawing/2014/main" id="{9C0107A2-B35D-CE97-B8C3-588234563899}"/>
+              </a:ext>
+            </a:extLst>
+          </p:cNvPr>
+          <p:cNvSpPr/>
+          <p:nvPr/>
+        </p:nvSpPr>
+        <p:spPr>
+          <a:xfrm>
+            <a:off x="1172094" y="3472361"/>
+            <a:ext cx="3478282" cy="1221548"/>
           </a:xfrm>
           <a:prstGeom prst="rect">
             <a:avLst/>
           </a:prstGeom>
-          <a:noFill/>
+          <a:solidFill>
+            <a:srgbClr val="002B49"/>
+          </a:solidFill>
           <a:ln>
             <a:noFill/>
           </a:ln>
@@ -3833,18 +4301,129 @@
           <a:bodyPr rtlCol="0" anchor="ctr"/>
           <a:lstStyle/>
           <a:p>
-            <a:r>
-              <a:rPr lang="en-US" sz="2400" dirty="0">
-                <a:solidFill>
-                  <a:sysClr val="windowText" lastClr="000000"/>
-                </a:solidFill>
+            <a:pPr algn="ctr"/>
+            <a:endParaRPr lang="en-US" dirty="0"/>
+          </a:p>
+        </p:txBody>
+      </p:sp>
+      <p:sp>
+        <p:nvSpPr>
+          <p:cNvPr id="10" name="Rectangle 9">
+            <a:extLst>
+              <a:ext uri="{FF2B5EF4-FFF2-40B4-BE49-F238E27FC236}">
+                <a16:creationId xmlns:a16="http://schemas.microsoft.com/office/drawing/2014/main" id="{087D0589-9BBA-6C38-509C-4A831680A478}"/>
+              </a:ext>
+            </a:extLst>
+          </p:cNvPr>
+          <p:cNvSpPr/>
+          <p:nvPr/>
+        </p:nvSpPr>
+        <p:spPr>
+          <a:xfrm>
+            <a:off x="1324945" y="3606270"/>
+            <a:ext cx="1437353" cy="938725"/>
+          </a:xfrm>
+          <a:prstGeom prst="rect">
+            <a:avLst/>
+          </a:prstGeom>
+          <a:solidFill>
+            <a:schemeClr val="tx2"/>
+          </a:solidFill>
+          <a:ln>
+            <a:noFill/>
+          </a:ln>
+        </p:spPr>
+        <p:style>
+          <a:lnRef idx="2">
+            <a:schemeClr val="accent1">
+              <a:shade val="50000"/>
+            </a:schemeClr>
+          </a:lnRef>
+          <a:fillRef idx="1">
+            <a:schemeClr val="accent1"/>
+          </a:fillRef>
+          <a:effectRef idx="0">
+            <a:schemeClr val="accent1"/>
+          </a:effectRef>
+          <a:fontRef idx="minor">
+            <a:schemeClr val="lt1"/>
+          </a:fontRef>
+        </p:style>
+        <p:txBody>
+          <a:bodyPr rtlCol="0" anchor="ctr"/>
+          <a:lstStyle/>
+          <a:p>
+            <a:pPr algn="ctr"/>
+            <a:r>
+              <a:rPr lang="en-US" sz="2000" dirty="0"/>
+              <a:t>File Interface</a:t>
+            </a:r>
+          </a:p>
+        </p:txBody>
+      </p:sp>
+      <p:sp>
+        <p:nvSpPr>
+          <p:cNvPr id="12" name="Rectangle 11">
+            <a:extLst>
+              <a:ext uri="{FF2B5EF4-FFF2-40B4-BE49-F238E27FC236}">
+                <a16:creationId xmlns:a16="http://schemas.microsoft.com/office/drawing/2014/main" id="{A21F38A5-4A7C-382B-B245-C6BD6FEE7158}"/>
+              </a:ext>
+            </a:extLst>
+          </p:cNvPr>
+          <p:cNvSpPr/>
+          <p:nvPr/>
+        </p:nvSpPr>
+        <p:spPr>
+          <a:xfrm>
+            <a:off x="2911235" y="3600313"/>
+            <a:ext cx="1615439" cy="938725"/>
+          </a:xfrm>
+          <a:prstGeom prst="rect">
+            <a:avLst/>
+          </a:prstGeom>
+          <a:solidFill>
+            <a:schemeClr val="tx2"/>
+          </a:solidFill>
+          <a:ln>
+            <a:noFill/>
+          </a:ln>
+        </p:spPr>
+        <p:style>
+          <a:lnRef idx="2">
+            <a:schemeClr val="accent1">
+              <a:shade val="50000"/>
+            </a:schemeClr>
+          </a:lnRef>
+          <a:fillRef idx="1">
+            <a:schemeClr val="accent1"/>
+          </a:fillRef>
+          <a:effectRef idx="0">
+            <a:schemeClr val="accent1"/>
+          </a:effectRef>
+          <a:fontRef idx="minor">
+            <a:schemeClr val="lt1"/>
+          </a:fontRef>
+        </p:style>
+        <p:txBody>
+          <a:bodyPr rtlCol="0" anchor="ctr"/>
+          <a:lstStyle/>
+          <a:p>
+            <a:pPr algn="ctr"/>
+            <a:r>
+              <a:rPr lang="en-US" sz="2000" dirty="0"/>
+              <a:t>I/O</a:t>
+            </a:r>
+            <a:br>
+              <a:rPr lang="en-US" sz="2000" dirty="0"/>
+            </a:br>
+            <a:r>
+              <a:rPr lang="en-US" sz="1050" dirty="0">
+                <a:latin typeface="Consolas" panose="020B0609020204030204" pitchFamily="49" charset="0"/>
               </a:rPr>
-              <a:t>Hardware dependent</a:t>
-            </a:r>
-            <a:endParaRPr lang="en-US" dirty="0">
-              <a:solidFill>
-                <a:sysClr val="windowText" lastClr="000000"/>
-              </a:solidFill>
+              <a:t>STDERR,STDIN,STDOUT</a:t>
+            </a:r>
+            <a:endParaRPr lang="en-US" sz="1200" dirty="0">
+              <a:latin typeface="Consolas" panose="020B0609020204030204" pitchFamily="49" charset="0"/>
             </a:endParaRPr>
           </a:p>
         </p:txBody>
@@ -3863,6 +4442,1715 @@
 </file>
 
 <file path=ppt/slides/slide2.xml><?xml version="1.0" encoding="utf-8"?>
+<p:sld xmlns:a="http://schemas.openxmlformats.org/drawingml/2006/main" xmlns:r="http://schemas.openxmlformats.org/officeDocument/2006/relationships" xmlns:p="http://schemas.openxmlformats.org/presentationml/2006/main">
+  <p:cSld>
+    <p:spTree>
+      <p:nvGrpSpPr>
+        <p:cNvPr id="1" name=""/>
+        <p:cNvGrpSpPr/>
+        <p:nvPr/>
+      </p:nvGrpSpPr>
+      <p:grpSpPr>
+        <a:xfrm>
+          <a:off x="0" y="0"/>
+          <a:ext cx="0" cy="0"/>
+          <a:chOff x="0" y="0"/>
+          <a:chExt cx="0" cy="0"/>
+        </a:xfrm>
+      </p:grpSpPr>
+      <p:sp>
+        <p:nvSpPr>
+          <p:cNvPr id="2" name="Rectangle 1">
+            <a:extLst>
+              <a:ext uri="{FF2B5EF4-FFF2-40B4-BE49-F238E27FC236}">
+                <a16:creationId xmlns:a16="http://schemas.microsoft.com/office/drawing/2014/main" id="{335B5202-B5C6-AF02-9402-82E0E1E6BE43}"/>
+              </a:ext>
+            </a:extLst>
+          </p:cNvPr>
+          <p:cNvSpPr/>
+          <p:nvPr/>
+        </p:nvSpPr>
+        <p:spPr>
+          <a:xfrm>
+            <a:off x="363273" y="3040185"/>
+            <a:ext cx="5732726" cy="3392962"/>
+          </a:xfrm>
+          <a:prstGeom prst="rect">
+            <a:avLst/>
+          </a:prstGeom>
+          <a:solidFill>
+            <a:srgbClr val="7D868C"/>
+          </a:solidFill>
+          <a:ln>
+            <a:noFill/>
+          </a:ln>
+        </p:spPr>
+        <p:style>
+          <a:lnRef idx="2">
+            <a:schemeClr val="accent1">
+              <a:shade val="50000"/>
+            </a:schemeClr>
+          </a:lnRef>
+          <a:fillRef idx="1">
+            <a:schemeClr val="accent1"/>
+          </a:fillRef>
+          <a:effectRef idx="0">
+            <a:schemeClr val="accent1"/>
+          </a:effectRef>
+          <a:fontRef idx="minor">
+            <a:schemeClr val="lt1"/>
+          </a:fontRef>
+        </p:style>
+        <p:txBody>
+          <a:bodyPr vert="vert270" rtlCol="0" anchor="t"/>
+          <a:lstStyle/>
+          <a:p>
+            <a:pPr algn="ctr"/>
+            <a:r>
+              <a:rPr lang="en-US" sz="2400" dirty="0"/>
+              <a:t>Retarget</a:t>
+            </a:r>
+            <a:endParaRPr lang="en-US" dirty="0"/>
+          </a:p>
+        </p:txBody>
+      </p:sp>
+      <p:sp>
+        <p:nvSpPr>
+          <p:cNvPr id="6" name="Rectangle 5">
+            <a:extLst>
+              <a:ext uri="{FF2B5EF4-FFF2-40B4-BE49-F238E27FC236}">
+                <a16:creationId xmlns:a16="http://schemas.microsoft.com/office/drawing/2014/main" id="{F0F02C54-EEAB-09FC-F63D-DF8C9B4F06D6}"/>
+              </a:ext>
+            </a:extLst>
+          </p:cNvPr>
+          <p:cNvSpPr/>
+          <p:nvPr/>
+        </p:nvSpPr>
+        <p:spPr>
+          <a:xfrm>
+            <a:off x="363273" y="400595"/>
+            <a:ext cx="5732727" cy="2483628"/>
+          </a:xfrm>
+          <a:prstGeom prst="rect">
+            <a:avLst/>
+          </a:prstGeom>
+          <a:solidFill>
+            <a:srgbClr val="7D868C"/>
+          </a:solidFill>
+          <a:ln>
+            <a:noFill/>
+          </a:ln>
+        </p:spPr>
+        <p:style>
+          <a:lnRef idx="2">
+            <a:schemeClr val="accent1">
+              <a:shade val="50000"/>
+            </a:schemeClr>
+          </a:lnRef>
+          <a:fillRef idx="1">
+            <a:schemeClr val="accent1"/>
+          </a:fillRef>
+          <a:effectRef idx="0">
+            <a:schemeClr val="accent1"/>
+          </a:effectRef>
+          <a:fontRef idx="minor">
+            <a:schemeClr val="lt1"/>
+          </a:fontRef>
+        </p:style>
+        <p:txBody>
+          <a:bodyPr vert="vert270" rtlCol="0" anchor="t"/>
+          <a:lstStyle/>
+          <a:p>
+            <a:pPr algn="ctr"/>
+            <a:r>
+              <a:rPr lang="en-US" sz="2400" dirty="0"/>
+              <a:t>C library</a:t>
+            </a:r>
+            <a:endParaRPr lang="en-US" dirty="0"/>
+          </a:p>
+        </p:txBody>
+      </p:sp>
+      <p:sp>
+        <p:nvSpPr>
+          <p:cNvPr id="11" name="Rectangle 10">
+            <a:extLst>
+              <a:ext uri="{FF2B5EF4-FFF2-40B4-BE49-F238E27FC236}">
+                <a16:creationId xmlns:a16="http://schemas.microsoft.com/office/drawing/2014/main" id="{3F121155-67F3-241A-A7FA-6840B0AD8C6F}"/>
+              </a:ext>
+            </a:extLst>
+          </p:cNvPr>
+          <p:cNvSpPr/>
+          <p:nvPr/>
+        </p:nvSpPr>
+        <p:spPr>
+          <a:xfrm>
+            <a:off x="1091229" y="556557"/>
+            <a:ext cx="2903517" cy="900000"/>
+          </a:xfrm>
+          <a:prstGeom prst="rect">
+            <a:avLst/>
+          </a:prstGeom>
+          <a:solidFill>
+            <a:srgbClr val="002B49"/>
+          </a:solidFill>
+          <a:ln>
+            <a:noFill/>
+          </a:ln>
+        </p:spPr>
+        <p:style>
+          <a:lnRef idx="2">
+            <a:schemeClr val="accent1">
+              <a:shade val="50000"/>
+            </a:schemeClr>
+          </a:lnRef>
+          <a:fillRef idx="1">
+            <a:schemeClr val="accent1"/>
+          </a:fillRef>
+          <a:effectRef idx="0">
+            <a:schemeClr val="accent1"/>
+          </a:effectRef>
+          <a:fontRef idx="minor">
+            <a:schemeClr val="lt1"/>
+          </a:fontRef>
+        </p:style>
+        <p:txBody>
+          <a:bodyPr rtlCol="0" anchor="ctr"/>
+          <a:lstStyle/>
+          <a:p>
+            <a:pPr algn="ctr"/>
+            <a:r>
+              <a:rPr lang="en-US" sz="2400" dirty="0" err="1"/>
+              <a:t>fwrite</a:t>
+            </a:r>
+            <a:r>
+              <a:rPr lang="en-US" sz="2400" dirty="0"/>
+              <a:t>, </a:t>
+            </a:r>
+            <a:r>
+              <a:rPr lang="en-US" sz="2400" dirty="0" err="1"/>
+              <a:t>printf</a:t>
+            </a:r>
+            <a:r>
+              <a:rPr lang="en-US" sz="2400" dirty="0"/>
+              <a:t>, …</a:t>
+            </a:r>
+            <a:endParaRPr lang="en-US" dirty="0"/>
+          </a:p>
+        </p:txBody>
+      </p:sp>
+      <p:sp>
+        <p:nvSpPr>
+          <p:cNvPr id="15" name="Rectangle 14">
+            <a:extLst>
+              <a:ext uri="{FF2B5EF4-FFF2-40B4-BE49-F238E27FC236}">
+                <a16:creationId xmlns:a16="http://schemas.microsoft.com/office/drawing/2014/main" id="{8C5D5C83-188D-1527-053E-DBDFA76CF6BB}"/>
+              </a:ext>
+            </a:extLst>
+          </p:cNvPr>
+          <p:cNvSpPr/>
+          <p:nvPr/>
+        </p:nvSpPr>
+        <p:spPr>
+          <a:xfrm>
+            <a:off x="1091230" y="1785282"/>
+            <a:ext cx="2903516" cy="900000"/>
+          </a:xfrm>
+          <a:prstGeom prst="rect">
+            <a:avLst/>
+          </a:prstGeom>
+          <a:solidFill>
+            <a:srgbClr val="002B49"/>
+          </a:solidFill>
+          <a:ln>
+            <a:noFill/>
+          </a:ln>
+        </p:spPr>
+        <p:style>
+          <a:lnRef idx="2">
+            <a:schemeClr val="accent1">
+              <a:shade val="50000"/>
+            </a:schemeClr>
+          </a:lnRef>
+          <a:fillRef idx="1">
+            <a:schemeClr val="accent1"/>
+          </a:fillRef>
+          <a:effectRef idx="0">
+            <a:schemeClr val="accent1"/>
+          </a:effectRef>
+          <a:fontRef idx="minor">
+            <a:schemeClr val="lt1"/>
+          </a:fontRef>
+        </p:style>
+        <p:txBody>
+          <a:bodyPr rtlCol="0" anchor="ctr"/>
+          <a:lstStyle/>
+          <a:p>
+            <a:pPr algn="ctr"/>
+            <a:r>
+              <a:rPr lang="en-US" sz="2400" dirty="0"/>
+              <a:t>Low-level I/O</a:t>
+            </a:r>
+          </a:p>
+        </p:txBody>
+      </p:sp>
+      <p:cxnSp>
+        <p:nvCxnSpPr>
+          <p:cNvPr id="16" name="Straight Arrow Connector 15">
+            <a:extLst>
+              <a:ext uri="{FF2B5EF4-FFF2-40B4-BE49-F238E27FC236}">
+                <a16:creationId xmlns:a16="http://schemas.microsoft.com/office/drawing/2014/main" id="{E43D288E-B90F-8061-D837-0BB9AB96344B}"/>
+              </a:ext>
+            </a:extLst>
+          </p:cNvPr>
+          <p:cNvCxnSpPr>
+            <a:cxnSpLocks/>
+            <a:stCxn id="11" idx="2"/>
+            <a:endCxn id="15" idx="0"/>
+          </p:cNvCxnSpPr>
+          <p:nvPr/>
+        </p:nvCxnSpPr>
+        <p:spPr>
+          <a:xfrm>
+            <a:off x="2542988" y="1456557"/>
+            <a:ext cx="0" cy="328725"/>
+          </a:xfrm>
+          <a:prstGeom prst="straightConnector1">
+            <a:avLst/>
+          </a:prstGeom>
+          <a:ln w="76200">
+            <a:solidFill>
+              <a:srgbClr val="002B49"/>
+            </a:solidFill>
+            <a:tailEnd type="triangle"/>
+          </a:ln>
+        </p:spPr>
+        <p:style>
+          <a:lnRef idx="1">
+            <a:schemeClr val="accent1"/>
+          </a:lnRef>
+          <a:fillRef idx="0">
+            <a:schemeClr val="accent1"/>
+          </a:fillRef>
+          <a:effectRef idx="0">
+            <a:schemeClr val="accent1"/>
+          </a:effectRef>
+          <a:fontRef idx="minor">
+            <a:schemeClr val="tx1"/>
+          </a:fontRef>
+        </p:style>
+      </p:cxnSp>
+      <p:cxnSp>
+        <p:nvCxnSpPr>
+          <p:cNvPr id="17" name="Straight Arrow Connector 16">
+            <a:extLst>
+              <a:ext uri="{FF2B5EF4-FFF2-40B4-BE49-F238E27FC236}">
+                <a16:creationId xmlns:a16="http://schemas.microsoft.com/office/drawing/2014/main" id="{2D37A1E8-3084-78E3-FED4-B39FF15DD6A4}"/>
+              </a:ext>
+            </a:extLst>
+          </p:cNvPr>
+          <p:cNvCxnSpPr>
+            <a:cxnSpLocks/>
+            <a:stCxn id="15" idx="2"/>
+            <a:endCxn id="26" idx="0"/>
+          </p:cNvCxnSpPr>
+          <p:nvPr/>
+        </p:nvCxnSpPr>
+        <p:spPr>
+          <a:xfrm flipH="1">
+            <a:off x="2541941" y="2685282"/>
+            <a:ext cx="1047" cy="552130"/>
+          </a:xfrm>
+          <a:prstGeom prst="straightConnector1">
+            <a:avLst/>
+          </a:prstGeom>
+          <a:ln w="76200">
+            <a:solidFill>
+              <a:srgbClr val="002B49"/>
+            </a:solidFill>
+            <a:tailEnd type="triangle"/>
+          </a:ln>
+        </p:spPr>
+        <p:style>
+          <a:lnRef idx="1">
+            <a:schemeClr val="accent1"/>
+          </a:lnRef>
+          <a:fillRef idx="0">
+            <a:schemeClr val="accent1"/>
+          </a:fillRef>
+          <a:effectRef idx="0">
+            <a:schemeClr val="accent1"/>
+          </a:effectRef>
+          <a:fontRef idx="minor">
+            <a:schemeClr val="tx1"/>
+          </a:fontRef>
+        </p:style>
+      </p:cxnSp>
+      <p:sp>
+        <p:nvSpPr>
+          <p:cNvPr id="23" name="Rectangle 22">
+            <a:extLst>
+              <a:ext uri="{FF2B5EF4-FFF2-40B4-BE49-F238E27FC236}">
+                <a16:creationId xmlns:a16="http://schemas.microsoft.com/office/drawing/2014/main" id="{B7C464E9-6803-6926-E2C7-9BA06444A9B5}"/>
+              </a:ext>
+            </a:extLst>
+          </p:cNvPr>
+          <p:cNvSpPr/>
+          <p:nvPr/>
+        </p:nvSpPr>
+        <p:spPr>
+          <a:xfrm>
+            <a:off x="1091229" y="3212948"/>
+            <a:ext cx="4846151" cy="3016152"/>
+          </a:xfrm>
+          <a:prstGeom prst="rect">
+            <a:avLst/>
+          </a:prstGeom>
+          <a:solidFill>
+            <a:srgbClr val="002B49"/>
+          </a:solidFill>
+          <a:ln>
+            <a:noFill/>
+          </a:ln>
+        </p:spPr>
+        <p:style>
+          <a:lnRef idx="2">
+            <a:schemeClr val="accent1">
+              <a:shade val="50000"/>
+            </a:schemeClr>
+          </a:lnRef>
+          <a:fillRef idx="1">
+            <a:schemeClr val="accent1"/>
+          </a:fillRef>
+          <a:effectRef idx="0">
+            <a:schemeClr val="accent1"/>
+          </a:effectRef>
+          <a:fontRef idx="minor">
+            <a:schemeClr val="lt1"/>
+          </a:fontRef>
+        </p:style>
+        <p:txBody>
+          <a:bodyPr rtlCol="0" anchor="ctr"/>
+          <a:lstStyle/>
+          <a:p>
+            <a:pPr algn="ctr"/>
+            <a:endParaRPr lang="en-US" dirty="0"/>
+          </a:p>
+        </p:txBody>
+      </p:sp>
+      <p:sp>
+        <p:nvSpPr>
+          <p:cNvPr id="24" name="Rectangle 23">
+            <a:extLst>
+              <a:ext uri="{FF2B5EF4-FFF2-40B4-BE49-F238E27FC236}">
+                <a16:creationId xmlns:a16="http://schemas.microsoft.com/office/drawing/2014/main" id="{1CA2A669-77C3-9387-DB3B-2D8BE0E6734C}"/>
+              </a:ext>
+            </a:extLst>
+          </p:cNvPr>
+          <p:cNvSpPr/>
+          <p:nvPr/>
+        </p:nvSpPr>
+        <p:spPr>
+          <a:xfrm>
+            <a:off x="3830715" y="5134812"/>
+            <a:ext cx="1437353" cy="938725"/>
+          </a:xfrm>
+          <a:prstGeom prst="rect">
+            <a:avLst/>
+          </a:prstGeom>
+          <a:solidFill>
+            <a:schemeClr val="tx2"/>
+          </a:solidFill>
+          <a:ln>
+            <a:noFill/>
+          </a:ln>
+        </p:spPr>
+        <p:style>
+          <a:lnRef idx="2">
+            <a:schemeClr val="accent1">
+              <a:shade val="50000"/>
+            </a:schemeClr>
+          </a:lnRef>
+          <a:fillRef idx="1">
+            <a:schemeClr val="accent1"/>
+          </a:fillRef>
+          <a:effectRef idx="0">
+            <a:schemeClr val="accent1"/>
+          </a:effectRef>
+          <a:fontRef idx="minor">
+            <a:schemeClr val="lt1"/>
+          </a:fontRef>
+        </p:style>
+        <p:txBody>
+          <a:bodyPr rtlCol="0" anchor="ctr"/>
+          <a:lstStyle/>
+          <a:p>
+            <a:pPr algn="ctr"/>
+            <a:r>
+              <a:rPr lang="en-US" sz="2000" dirty="0"/>
+              <a:t>I/O</a:t>
+            </a:r>
+            <a:br>
+              <a:rPr lang="en-US" sz="2000" dirty="0"/>
+            </a:br>
+            <a:r>
+              <a:rPr lang="en-US" sz="1200" dirty="0">
+                <a:latin typeface="Consolas" panose="020B0609020204030204" pitchFamily="49" charset="0"/>
+              </a:rPr>
+              <a:t>File</a:t>
+            </a:r>
+            <a:endParaRPr lang="en-US" sz="1050" dirty="0">
+              <a:latin typeface="Consolas" panose="020B0609020204030204" pitchFamily="49" charset="0"/>
+            </a:endParaRPr>
+          </a:p>
+        </p:txBody>
+      </p:sp>
+      <p:sp>
+        <p:nvSpPr>
+          <p:cNvPr id="25" name="Rectangle 24">
+            <a:extLst>
+              <a:ext uri="{FF2B5EF4-FFF2-40B4-BE49-F238E27FC236}">
+                <a16:creationId xmlns:a16="http://schemas.microsoft.com/office/drawing/2014/main" id="{E27AEF1B-7539-1FC3-EF5A-904AE62F891B}"/>
+              </a:ext>
+            </a:extLst>
+          </p:cNvPr>
+          <p:cNvSpPr/>
+          <p:nvPr/>
+        </p:nvSpPr>
+        <p:spPr>
+          <a:xfrm>
+            <a:off x="1734220" y="5135502"/>
+            <a:ext cx="1615439" cy="938725"/>
+          </a:xfrm>
+          <a:prstGeom prst="rect">
+            <a:avLst/>
+          </a:prstGeom>
+          <a:solidFill>
+            <a:schemeClr val="tx2"/>
+          </a:solidFill>
+          <a:ln>
+            <a:noFill/>
+          </a:ln>
+        </p:spPr>
+        <p:style>
+          <a:lnRef idx="2">
+            <a:schemeClr val="accent1">
+              <a:shade val="50000"/>
+            </a:schemeClr>
+          </a:lnRef>
+          <a:fillRef idx="1">
+            <a:schemeClr val="accent1"/>
+          </a:fillRef>
+          <a:effectRef idx="0">
+            <a:schemeClr val="accent1"/>
+          </a:effectRef>
+          <a:fontRef idx="minor">
+            <a:schemeClr val="lt1"/>
+          </a:fontRef>
+        </p:style>
+        <p:txBody>
+          <a:bodyPr rtlCol="0" anchor="ctr"/>
+          <a:lstStyle/>
+          <a:p>
+            <a:pPr algn="ctr"/>
+            <a:r>
+              <a:rPr lang="en-US" sz="2000" dirty="0"/>
+              <a:t>I/O</a:t>
+            </a:r>
+            <a:br>
+              <a:rPr lang="en-US" sz="2000" dirty="0"/>
+            </a:br>
+            <a:r>
+              <a:rPr lang="en-US" sz="1050" dirty="0">
+                <a:latin typeface="Consolas" panose="020B0609020204030204" pitchFamily="49" charset="0"/>
+              </a:rPr>
+              <a:t>STDERR,STDIN,STDOUT</a:t>
+            </a:r>
+            <a:endParaRPr lang="en-US" sz="1200" dirty="0">
+              <a:latin typeface="Consolas" panose="020B0609020204030204" pitchFamily="49" charset="0"/>
+            </a:endParaRPr>
+          </a:p>
+        </p:txBody>
+      </p:sp>
+      <p:sp>
+        <p:nvSpPr>
+          <p:cNvPr id="26" name="Diamond 25">
+            <a:extLst>
+              <a:ext uri="{FF2B5EF4-FFF2-40B4-BE49-F238E27FC236}">
+                <a16:creationId xmlns:a16="http://schemas.microsoft.com/office/drawing/2014/main" id="{4297B822-090C-34CA-C472-211BCA58A64D}"/>
+              </a:ext>
+            </a:extLst>
+          </p:cNvPr>
+          <p:cNvSpPr/>
+          <p:nvPr/>
+        </p:nvSpPr>
+        <p:spPr>
+          <a:xfrm>
+            <a:off x="1458407" y="3237412"/>
+            <a:ext cx="2167067" cy="1381112"/>
+          </a:xfrm>
+          <a:prstGeom prst="diamond">
+            <a:avLst/>
+          </a:prstGeom>
+          <a:solidFill>
+            <a:schemeClr val="tx2"/>
+          </a:solidFill>
+          <a:ln>
+            <a:noFill/>
+          </a:ln>
+        </p:spPr>
+        <p:style>
+          <a:lnRef idx="2">
+            <a:schemeClr val="accent1">
+              <a:shade val="50000"/>
+            </a:schemeClr>
+          </a:lnRef>
+          <a:fillRef idx="1">
+            <a:schemeClr val="accent1"/>
+          </a:fillRef>
+          <a:effectRef idx="0">
+            <a:schemeClr val="accent1"/>
+          </a:effectRef>
+          <a:fontRef idx="minor">
+            <a:schemeClr val="lt1"/>
+          </a:fontRef>
+        </p:style>
+        <p:txBody>
+          <a:bodyPr rtlCol="0" anchor="ctr"/>
+          <a:lstStyle/>
+          <a:p>
+            <a:pPr algn="ctr"/>
+            <a:r>
+              <a:rPr lang="en-US" dirty="0"/>
+              <a:t>Standard stream ?</a:t>
+            </a:r>
+          </a:p>
+        </p:txBody>
+      </p:sp>
+      <p:cxnSp>
+        <p:nvCxnSpPr>
+          <p:cNvPr id="27" name="Straight Arrow Connector 26">
+            <a:extLst>
+              <a:ext uri="{FF2B5EF4-FFF2-40B4-BE49-F238E27FC236}">
+                <a16:creationId xmlns:a16="http://schemas.microsoft.com/office/drawing/2014/main" id="{43C8CF48-F0A9-6AF2-01DE-448F936D39D3}"/>
+              </a:ext>
+            </a:extLst>
+          </p:cNvPr>
+          <p:cNvCxnSpPr>
+            <a:cxnSpLocks/>
+            <a:stCxn id="26" idx="2"/>
+            <a:endCxn id="25" idx="0"/>
+          </p:cNvCxnSpPr>
+          <p:nvPr/>
+        </p:nvCxnSpPr>
+        <p:spPr>
+          <a:xfrm flipH="1">
+            <a:off x="2541940" y="4618524"/>
+            <a:ext cx="1" cy="516978"/>
+          </a:xfrm>
+          <a:prstGeom prst="straightConnector1">
+            <a:avLst/>
+          </a:prstGeom>
+          <a:ln w="76200">
+            <a:solidFill>
+              <a:schemeClr val="tx2"/>
+            </a:solidFill>
+            <a:tailEnd type="triangle"/>
+          </a:ln>
+        </p:spPr>
+        <p:style>
+          <a:lnRef idx="1">
+            <a:schemeClr val="accent1"/>
+          </a:lnRef>
+          <a:fillRef idx="0">
+            <a:schemeClr val="accent1"/>
+          </a:fillRef>
+          <a:effectRef idx="0">
+            <a:schemeClr val="accent1"/>
+          </a:effectRef>
+          <a:fontRef idx="minor">
+            <a:schemeClr val="tx1"/>
+          </a:fontRef>
+        </p:style>
+      </p:cxnSp>
+      <p:cxnSp>
+        <p:nvCxnSpPr>
+          <p:cNvPr id="28" name="Connector: Elbow 27">
+            <a:extLst>
+              <a:ext uri="{FF2B5EF4-FFF2-40B4-BE49-F238E27FC236}">
+                <a16:creationId xmlns:a16="http://schemas.microsoft.com/office/drawing/2014/main" id="{DEE2ABEA-D559-3DC2-A34F-BFD4C0342DA6}"/>
+              </a:ext>
+            </a:extLst>
+          </p:cNvPr>
+          <p:cNvCxnSpPr>
+            <a:stCxn id="26" idx="3"/>
+            <a:endCxn id="24" idx="0"/>
+          </p:cNvCxnSpPr>
+          <p:nvPr/>
+        </p:nvCxnSpPr>
+        <p:spPr>
+          <a:xfrm>
+            <a:off x="3625474" y="3927968"/>
+            <a:ext cx="923918" cy="1206844"/>
+          </a:xfrm>
+          <a:prstGeom prst="bentConnector2">
+            <a:avLst/>
+          </a:prstGeom>
+          <a:ln w="76200">
+            <a:solidFill>
+              <a:schemeClr val="tx2"/>
+            </a:solidFill>
+            <a:tailEnd type="triangle"/>
+          </a:ln>
+        </p:spPr>
+        <p:style>
+          <a:lnRef idx="1">
+            <a:schemeClr val="accent1"/>
+          </a:lnRef>
+          <a:fillRef idx="0">
+            <a:schemeClr val="accent1"/>
+          </a:fillRef>
+          <a:effectRef idx="0">
+            <a:schemeClr val="accent1"/>
+          </a:effectRef>
+          <a:fontRef idx="minor">
+            <a:schemeClr val="tx1"/>
+          </a:fontRef>
+        </p:style>
+      </p:cxnSp>
+      <p:sp>
+        <p:nvSpPr>
+          <p:cNvPr id="29" name="TextBox 28">
+            <a:extLst>
+              <a:ext uri="{FF2B5EF4-FFF2-40B4-BE49-F238E27FC236}">
+                <a16:creationId xmlns:a16="http://schemas.microsoft.com/office/drawing/2014/main" id="{78E7C250-8779-610F-2B56-2FEC7391FF0B}"/>
+              </a:ext>
+            </a:extLst>
+          </p:cNvPr>
+          <p:cNvSpPr txBox="1"/>
+          <p:nvPr/>
+        </p:nvSpPr>
+        <p:spPr>
+          <a:xfrm>
+            <a:off x="2542502" y="4594150"/>
+            <a:ext cx="550507" cy="369332"/>
+          </a:xfrm>
+          <a:prstGeom prst="rect">
+            <a:avLst/>
+          </a:prstGeom>
+          <a:noFill/>
+        </p:spPr>
+        <p:txBody>
+          <a:bodyPr wrap="square" rtlCol="0">
+            <a:spAutoFit/>
+          </a:bodyPr>
+          <a:lstStyle/>
+          <a:p>
+            <a:r>
+              <a:rPr lang="en-US" dirty="0">
+                <a:solidFill>
+                  <a:schemeClr val="bg1"/>
+                </a:solidFill>
+              </a:rPr>
+              <a:t>Yes</a:t>
+            </a:r>
+          </a:p>
+        </p:txBody>
+      </p:sp>
+      <p:sp>
+        <p:nvSpPr>
+          <p:cNvPr id="30" name="TextBox 29">
+            <a:extLst>
+              <a:ext uri="{FF2B5EF4-FFF2-40B4-BE49-F238E27FC236}">
+                <a16:creationId xmlns:a16="http://schemas.microsoft.com/office/drawing/2014/main" id="{D0650F85-FD94-7FC8-3AA0-B287689DAFF6}"/>
+              </a:ext>
+            </a:extLst>
+          </p:cNvPr>
+          <p:cNvSpPr txBox="1"/>
+          <p:nvPr/>
+        </p:nvSpPr>
+        <p:spPr>
+          <a:xfrm>
+            <a:off x="3525635" y="3558636"/>
+            <a:ext cx="550507" cy="369332"/>
+          </a:xfrm>
+          <a:prstGeom prst="rect">
+            <a:avLst/>
+          </a:prstGeom>
+          <a:noFill/>
+        </p:spPr>
+        <p:txBody>
+          <a:bodyPr wrap="square" rtlCol="0">
+            <a:spAutoFit/>
+          </a:bodyPr>
+          <a:lstStyle/>
+          <a:p>
+            <a:r>
+              <a:rPr lang="en-US" dirty="0">
+                <a:solidFill>
+                  <a:schemeClr val="bg1"/>
+                </a:solidFill>
+              </a:rPr>
+              <a:t>No</a:t>
+            </a:r>
+          </a:p>
+        </p:txBody>
+      </p:sp>
+    </p:spTree>
+    <p:extLst>
+      <p:ext uri="{BB962C8B-B14F-4D97-AF65-F5344CB8AC3E}">
+        <p14:creationId xmlns:p14="http://schemas.microsoft.com/office/powerpoint/2010/main" val="3614243066"/>
+      </p:ext>
+    </p:extLst>
+  </p:cSld>
+  <p:clrMapOvr>
+    <a:masterClrMapping/>
+  </p:clrMapOvr>
+</p:sld>
+</file>
+
+<file path=ppt/slides/slide3.xml><?xml version="1.0" encoding="utf-8"?>
+<p:sld xmlns:a="http://schemas.openxmlformats.org/drawingml/2006/main" xmlns:r="http://schemas.openxmlformats.org/officeDocument/2006/relationships" xmlns:p="http://schemas.openxmlformats.org/presentationml/2006/main">
+  <p:cSld>
+    <p:spTree>
+      <p:nvGrpSpPr>
+        <p:cNvPr id="1" name=""/>
+        <p:cNvGrpSpPr/>
+        <p:nvPr/>
+      </p:nvGrpSpPr>
+      <p:grpSpPr>
+        <a:xfrm>
+          <a:off x="0" y="0"/>
+          <a:ext cx="0" cy="0"/>
+          <a:chOff x="0" y="0"/>
+          <a:chExt cx="0" cy="0"/>
+        </a:xfrm>
+      </p:grpSpPr>
+      <p:sp>
+        <p:nvSpPr>
+          <p:cNvPr id="2" name="Rectangle 1">
+            <a:extLst>
+              <a:ext uri="{FF2B5EF4-FFF2-40B4-BE49-F238E27FC236}">
+                <a16:creationId xmlns:a16="http://schemas.microsoft.com/office/drawing/2014/main" id="{335B5202-B5C6-AF02-9402-82E0E1E6BE43}"/>
+              </a:ext>
+            </a:extLst>
+          </p:cNvPr>
+          <p:cNvSpPr/>
+          <p:nvPr/>
+        </p:nvSpPr>
+        <p:spPr>
+          <a:xfrm>
+            <a:off x="363274" y="288277"/>
+            <a:ext cx="2945983" cy="3613163"/>
+          </a:xfrm>
+          <a:prstGeom prst="rect">
+            <a:avLst/>
+          </a:prstGeom>
+          <a:solidFill>
+            <a:srgbClr val="7D868C"/>
+          </a:solidFill>
+          <a:ln>
+            <a:noFill/>
+          </a:ln>
+        </p:spPr>
+        <p:style>
+          <a:lnRef idx="2">
+            <a:schemeClr val="accent1">
+              <a:shade val="50000"/>
+            </a:schemeClr>
+          </a:lnRef>
+          <a:fillRef idx="1">
+            <a:schemeClr val="accent1"/>
+          </a:fillRef>
+          <a:effectRef idx="0">
+            <a:schemeClr val="accent1"/>
+          </a:effectRef>
+          <a:fontRef idx="minor">
+            <a:schemeClr val="lt1"/>
+          </a:fontRef>
+        </p:style>
+        <p:txBody>
+          <a:bodyPr vert="vert270" rtlCol="0" anchor="t"/>
+          <a:lstStyle/>
+          <a:p>
+            <a:pPr algn="ctr"/>
+            <a:r>
+              <a:rPr lang="en-US" sz="2400" dirty="0"/>
+              <a:t>Retarget</a:t>
+            </a:r>
+            <a:endParaRPr lang="en-US" dirty="0"/>
+          </a:p>
+        </p:txBody>
+      </p:sp>
+      <p:sp>
+        <p:nvSpPr>
+          <p:cNvPr id="3" name="Rectangle 2">
+            <a:extLst>
+              <a:ext uri="{FF2B5EF4-FFF2-40B4-BE49-F238E27FC236}">
+                <a16:creationId xmlns:a16="http://schemas.microsoft.com/office/drawing/2014/main" id="{4C5A0851-3B60-631B-3B11-203EFB088F70}"/>
+              </a:ext>
+            </a:extLst>
+          </p:cNvPr>
+          <p:cNvSpPr/>
+          <p:nvPr/>
+        </p:nvSpPr>
+        <p:spPr>
+          <a:xfrm>
+            <a:off x="1004144" y="475017"/>
+            <a:ext cx="1999692" cy="553508"/>
+          </a:xfrm>
+          <a:prstGeom prst="rect">
+            <a:avLst/>
+          </a:prstGeom>
+          <a:solidFill>
+            <a:srgbClr val="002B49"/>
+          </a:solidFill>
+          <a:ln>
+            <a:noFill/>
+          </a:ln>
+        </p:spPr>
+        <p:style>
+          <a:lnRef idx="2">
+            <a:schemeClr val="accent1">
+              <a:shade val="50000"/>
+            </a:schemeClr>
+          </a:lnRef>
+          <a:fillRef idx="1">
+            <a:schemeClr val="accent1"/>
+          </a:fillRef>
+          <a:effectRef idx="0">
+            <a:schemeClr val="accent1"/>
+          </a:effectRef>
+          <a:fontRef idx="minor">
+            <a:schemeClr val="lt1"/>
+          </a:fontRef>
+        </p:style>
+        <p:txBody>
+          <a:bodyPr rtlCol="0" anchor="ctr"/>
+          <a:lstStyle/>
+          <a:p>
+            <a:pPr marL="0" marR="0" lvl="0" indent="0" algn="ctr" defTabSz="914400" rtl="0" eaLnBrk="1" fontAlgn="auto" latinLnBrk="0" hangingPunct="1">
+              <a:lnSpc>
+                <a:spcPct val="100000"/>
+              </a:lnSpc>
+              <a:spcBef>
+                <a:spcPts val="0"/>
+              </a:spcBef>
+              <a:spcAft>
+                <a:spcPts val="0"/>
+              </a:spcAft>
+              <a:buClrTx/>
+              <a:buSzTx/>
+              <a:buFontTx/>
+              <a:buNone/>
+              <a:tabLst/>
+              <a:defRPr/>
+            </a:pPr>
+            <a:r>
+              <a:rPr kumimoji="0" lang="en-US" sz="2000" b="0" i="0" u="none" strike="noStrike" kern="1200" cap="none" spc="0" normalizeH="0" baseline="0" noProof="0" dirty="0">
+                <a:ln>
+                  <a:noFill/>
+                </a:ln>
+                <a:solidFill>
+                  <a:prstClr val="white"/>
+                </a:solidFill>
+                <a:effectLst/>
+                <a:uLnTx/>
+                <a:uFillTx/>
+                <a:latin typeface="Calibri" panose="020F0502020204030204"/>
+                <a:ea typeface="+mn-ea"/>
+                <a:cs typeface="+mn-cs"/>
+              </a:rPr>
+              <a:t>I/O</a:t>
+            </a:r>
+            <a:br>
+              <a:rPr kumimoji="0" lang="en-US" sz="2000" b="0" i="0" u="none" strike="noStrike" kern="1200" cap="none" spc="0" normalizeH="0" baseline="0" noProof="0" dirty="0">
+                <a:ln>
+                  <a:noFill/>
+                </a:ln>
+                <a:solidFill>
+                  <a:prstClr val="white"/>
+                </a:solidFill>
+                <a:effectLst/>
+                <a:uLnTx/>
+                <a:uFillTx/>
+                <a:latin typeface="Calibri" panose="020F0502020204030204"/>
+                <a:ea typeface="+mn-ea"/>
+                <a:cs typeface="+mn-cs"/>
+              </a:rPr>
+            </a:br>
+            <a:r>
+              <a:rPr kumimoji="0" lang="en-US" sz="1050" b="0" i="0" u="none" strike="noStrike" kern="1200" cap="none" spc="0" normalizeH="0" baseline="0" noProof="0" dirty="0">
+                <a:ln>
+                  <a:noFill/>
+                </a:ln>
+                <a:solidFill>
+                  <a:prstClr val="white"/>
+                </a:solidFill>
+                <a:effectLst/>
+                <a:uLnTx/>
+                <a:uFillTx/>
+                <a:latin typeface="Consolas" panose="020B0609020204030204" pitchFamily="49" charset="0"/>
+                <a:ea typeface="+mn-ea"/>
+                <a:cs typeface="+mn-cs"/>
+              </a:rPr>
+              <a:t>STDERR,STDIN,STDOUT</a:t>
+            </a:r>
+            <a:endParaRPr kumimoji="0" lang="en-US" sz="1200" b="0" i="0" u="none" strike="noStrike" kern="1200" cap="none" spc="0" normalizeH="0" baseline="0" noProof="0" dirty="0">
+              <a:ln>
+                <a:noFill/>
+              </a:ln>
+              <a:solidFill>
+                <a:prstClr val="white"/>
+              </a:solidFill>
+              <a:effectLst/>
+              <a:uLnTx/>
+              <a:uFillTx/>
+              <a:latin typeface="Consolas" panose="020B0609020204030204" pitchFamily="49" charset="0"/>
+              <a:ea typeface="+mn-ea"/>
+              <a:cs typeface="+mn-cs"/>
+            </a:endParaRPr>
+          </a:p>
+        </p:txBody>
+      </p:sp>
+      <p:cxnSp>
+        <p:nvCxnSpPr>
+          <p:cNvPr id="4" name="Straight Arrow Connector 3">
+            <a:extLst>
+              <a:ext uri="{FF2B5EF4-FFF2-40B4-BE49-F238E27FC236}">
+                <a16:creationId xmlns:a16="http://schemas.microsoft.com/office/drawing/2014/main" id="{9DD3E1E3-AA41-6AF1-6F6C-7ACAD948EAC2}"/>
+              </a:ext>
+            </a:extLst>
+          </p:cNvPr>
+          <p:cNvCxnSpPr>
+            <a:cxnSpLocks/>
+            <a:stCxn id="3" idx="2"/>
+            <a:endCxn id="7" idx="0"/>
+          </p:cNvCxnSpPr>
+          <p:nvPr/>
+        </p:nvCxnSpPr>
+        <p:spPr>
+          <a:xfrm flipH="1">
+            <a:off x="2002423" y="1028525"/>
+            <a:ext cx="1567" cy="463447"/>
+          </a:xfrm>
+          <a:prstGeom prst="straightConnector1">
+            <a:avLst/>
+          </a:prstGeom>
+          <a:ln w="76200">
+            <a:solidFill>
+              <a:srgbClr val="002B49"/>
+            </a:solidFill>
+            <a:tailEnd type="triangle"/>
+          </a:ln>
+        </p:spPr>
+        <p:style>
+          <a:lnRef idx="1">
+            <a:schemeClr val="accent1"/>
+          </a:lnRef>
+          <a:fillRef idx="0">
+            <a:schemeClr val="accent1"/>
+          </a:fillRef>
+          <a:effectRef idx="0">
+            <a:schemeClr val="accent1"/>
+          </a:effectRef>
+          <a:fontRef idx="minor">
+            <a:schemeClr val="tx1"/>
+          </a:fontRef>
+        </p:style>
+      </p:cxnSp>
+      <p:sp>
+        <p:nvSpPr>
+          <p:cNvPr id="7" name="Rectangle 6">
+            <a:extLst>
+              <a:ext uri="{FF2B5EF4-FFF2-40B4-BE49-F238E27FC236}">
+                <a16:creationId xmlns:a16="http://schemas.microsoft.com/office/drawing/2014/main" id="{C76402FA-15C5-AC17-8E80-166E09E1A703}"/>
+              </a:ext>
+            </a:extLst>
+          </p:cNvPr>
+          <p:cNvSpPr/>
+          <p:nvPr/>
+        </p:nvSpPr>
+        <p:spPr>
+          <a:xfrm>
+            <a:off x="1004146" y="1491972"/>
+            <a:ext cx="1996554" cy="2206255"/>
+          </a:xfrm>
+          <a:prstGeom prst="rect">
+            <a:avLst/>
+          </a:prstGeom>
+          <a:solidFill>
+            <a:srgbClr val="002B49"/>
+          </a:solidFill>
+          <a:ln>
+            <a:noFill/>
+          </a:ln>
+        </p:spPr>
+        <p:style>
+          <a:lnRef idx="2">
+            <a:schemeClr val="accent1">
+              <a:shade val="50000"/>
+            </a:schemeClr>
+          </a:lnRef>
+          <a:fillRef idx="1">
+            <a:schemeClr val="accent1"/>
+          </a:fillRef>
+          <a:effectRef idx="0">
+            <a:schemeClr val="accent1"/>
+          </a:effectRef>
+          <a:fontRef idx="minor">
+            <a:schemeClr val="lt1"/>
+          </a:fontRef>
+        </p:style>
+        <p:txBody>
+          <a:bodyPr rtlCol="0" anchor="ctr"/>
+          <a:lstStyle/>
+          <a:p>
+            <a:pPr algn="ctr"/>
+            <a:endParaRPr lang="en-US" dirty="0"/>
+          </a:p>
+        </p:txBody>
+      </p:sp>
+      <p:sp>
+        <p:nvSpPr>
+          <p:cNvPr id="8" name="Rectangle 7">
+            <a:extLst>
+              <a:ext uri="{FF2B5EF4-FFF2-40B4-BE49-F238E27FC236}">
+                <a16:creationId xmlns:a16="http://schemas.microsoft.com/office/drawing/2014/main" id="{5E724CBE-93BC-3F28-12A1-CEEA8283DBFF}"/>
+              </a:ext>
+            </a:extLst>
+          </p:cNvPr>
+          <p:cNvSpPr/>
+          <p:nvPr/>
+        </p:nvSpPr>
+        <p:spPr>
+          <a:xfrm>
+            <a:off x="1194703" y="1679639"/>
+            <a:ext cx="1615439" cy="364464"/>
+          </a:xfrm>
+          <a:prstGeom prst="rect">
+            <a:avLst/>
+          </a:prstGeom>
+          <a:solidFill>
+            <a:schemeClr val="tx2"/>
+          </a:solidFill>
+          <a:ln>
+            <a:noFill/>
+          </a:ln>
+        </p:spPr>
+        <p:style>
+          <a:lnRef idx="2">
+            <a:schemeClr val="accent1">
+              <a:shade val="50000"/>
+            </a:schemeClr>
+          </a:lnRef>
+          <a:fillRef idx="1">
+            <a:schemeClr val="accent1"/>
+          </a:fillRef>
+          <a:effectRef idx="0">
+            <a:schemeClr val="accent1"/>
+          </a:effectRef>
+          <a:fontRef idx="minor">
+            <a:schemeClr val="lt1"/>
+          </a:fontRef>
+        </p:style>
+        <p:txBody>
+          <a:bodyPr rtlCol="0" anchor="ctr"/>
+          <a:lstStyle/>
+          <a:p>
+            <a:pPr algn="ctr"/>
+            <a:r>
+              <a:rPr lang="en-US" sz="1200" dirty="0">
+                <a:latin typeface="Consolas" panose="020B0609020204030204" pitchFamily="49" charset="0"/>
+              </a:rPr>
+              <a:t>Breakpoint</a:t>
+            </a:r>
+          </a:p>
+        </p:txBody>
+      </p:sp>
+      <p:sp>
+        <p:nvSpPr>
+          <p:cNvPr id="9" name="Rectangle 8">
+            <a:extLst>
+              <a:ext uri="{FF2B5EF4-FFF2-40B4-BE49-F238E27FC236}">
+                <a16:creationId xmlns:a16="http://schemas.microsoft.com/office/drawing/2014/main" id="{1EE814C9-F295-0A9E-39B5-7142BC2B337F}"/>
+              </a:ext>
+            </a:extLst>
+          </p:cNvPr>
+          <p:cNvSpPr/>
+          <p:nvPr/>
+        </p:nvSpPr>
+        <p:spPr>
+          <a:xfrm>
+            <a:off x="1194702" y="2171204"/>
+            <a:ext cx="1615439" cy="364464"/>
+          </a:xfrm>
+          <a:prstGeom prst="rect">
+            <a:avLst/>
+          </a:prstGeom>
+          <a:solidFill>
+            <a:schemeClr val="tx2"/>
+          </a:solidFill>
+          <a:ln>
+            <a:noFill/>
+          </a:ln>
+        </p:spPr>
+        <p:style>
+          <a:lnRef idx="2">
+            <a:schemeClr val="accent1">
+              <a:shade val="50000"/>
+            </a:schemeClr>
+          </a:lnRef>
+          <a:fillRef idx="1">
+            <a:schemeClr val="accent1"/>
+          </a:fillRef>
+          <a:effectRef idx="0">
+            <a:schemeClr val="accent1"/>
+          </a:effectRef>
+          <a:fontRef idx="minor">
+            <a:schemeClr val="lt1"/>
+          </a:fontRef>
+        </p:style>
+        <p:txBody>
+          <a:bodyPr rtlCol="0" anchor="ctr"/>
+          <a:lstStyle/>
+          <a:p>
+            <a:pPr algn="ctr"/>
+            <a:r>
+              <a:rPr lang="en-US" sz="1200" dirty="0">
+                <a:latin typeface="Consolas" panose="020B0609020204030204" pitchFamily="49" charset="0"/>
+              </a:rPr>
+              <a:t>EVR</a:t>
+            </a:r>
+          </a:p>
+        </p:txBody>
+      </p:sp>
+      <p:sp>
+        <p:nvSpPr>
+          <p:cNvPr id="10" name="Rectangle 9">
+            <a:extLst>
+              <a:ext uri="{FF2B5EF4-FFF2-40B4-BE49-F238E27FC236}">
+                <a16:creationId xmlns:a16="http://schemas.microsoft.com/office/drawing/2014/main" id="{284D6697-86CA-D88E-E195-DF69355AAEF1}"/>
+              </a:ext>
+            </a:extLst>
+          </p:cNvPr>
+          <p:cNvSpPr/>
+          <p:nvPr/>
+        </p:nvSpPr>
+        <p:spPr>
+          <a:xfrm>
+            <a:off x="1194701" y="2662769"/>
+            <a:ext cx="1615439" cy="364464"/>
+          </a:xfrm>
+          <a:prstGeom prst="rect">
+            <a:avLst/>
+          </a:prstGeom>
+          <a:solidFill>
+            <a:schemeClr val="tx2"/>
+          </a:solidFill>
+          <a:ln>
+            <a:noFill/>
+          </a:ln>
+        </p:spPr>
+        <p:style>
+          <a:lnRef idx="2">
+            <a:schemeClr val="accent1">
+              <a:shade val="50000"/>
+            </a:schemeClr>
+          </a:lnRef>
+          <a:fillRef idx="1">
+            <a:schemeClr val="accent1"/>
+          </a:fillRef>
+          <a:effectRef idx="0">
+            <a:schemeClr val="accent1"/>
+          </a:effectRef>
+          <a:fontRef idx="minor">
+            <a:schemeClr val="lt1"/>
+          </a:fontRef>
+        </p:style>
+        <p:txBody>
+          <a:bodyPr rtlCol="0" anchor="ctr"/>
+          <a:lstStyle/>
+          <a:p>
+            <a:pPr algn="ctr"/>
+            <a:r>
+              <a:rPr lang="en-US" sz="1200" dirty="0">
+                <a:latin typeface="Consolas" panose="020B0609020204030204" pitchFamily="49" charset="0"/>
+              </a:rPr>
+              <a:t>ITM</a:t>
+            </a:r>
+          </a:p>
+        </p:txBody>
+      </p:sp>
+      <p:sp>
+        <p:nvSpPr>
+          <p:cNvPr id="12" name="Rectangle 11">
+            <a:extLst>
+              <a:ext uri="{FF2B5EF4-FFF2-40B4-BE49-F238E27FC236}">
+                <a16:creationId xmlns:a16="http://schemas.microsoft.com/office/drawing/2014/main" id="{BD6E3A2F-7EAA-73F7-F693-69DF78012030}"/>
+              </a:ext>
+            </a:extLst>
+          </p:cNvPr>
+          <p:cNvSpPr/>
+          <p:nvPr/>
+        </p:nvSpPr>
+        <p:spPr>
+          <a:xfrm>
+            <a:off x="1194700" y="3154334"/>
+            <a:ext cx="1615439" cy="364464"/>
+          </a:xfrm>
+          <a:prstGeom prst="rect">
+            <a:avLst/>
+          </a:prstGeom>
+          <a:solidFill>
+            <a:schemeClr val="tx2"/>
+          </a:solidFill>
+          <a:ln>
+            <a:noFill/>
+          </a:ln>
+        </p:spPr>
+        <p:style>
+          <a:lnRef idx="2">
+            <a:schemeClr val="accent1">
+              <a:shade val="50000"/>
+            </a:schemeClr>
+          </a:lnRef>
+          <a:fillRef idx="1">
+            <a:schemeClr val="accent1"/>
+          </a:fillRef>
+          <a:effectRef idx="0">
+            <a:schemeClr val="accent1"/>
+          </a:effectRef>
+          <a:fontRef idx="minor">
+            <a:schemeClr val="lt1"/>
+          </a:fontRef>
+        </p:style>
+        <p:txBody>
+          <a:bodyPr rtlCol="0" anchor="ctr"/>
+          <a:lstStyle/>
+          <a:p>
+            <a:pPr algn="ctr"/>
+            <a:r>
+              <a:rPr lang="en-US" sz="1200" dirty="0">
+                <a:latin typeface="Consolas" panose="020B0609020204030204" pitchFamily="49" charset="0"/>
+              </a:rPr>
+              <a:t>User</a:t>
+            </a:r>
+          </a:p>
+        </p:txBody>
+      </p:sp>
+      <p:sp>
+        <p:nvSpPr>
+          <p:cNvPr id="18" name="Rectangle 17">
+            <a:extLst>
+              <a:ext uri="{FF2B5EF4-FFF2-40B4-BE49-F238E27FC236}">
+                <a16:creationId xmlns:a16="http://schemas.microsoft.com/office/drawing/2014/main" id="{1DC93612-BF98-6BF9-B081-899D5B8B24E8}"/>
+              </a:ext>
+            </a:extLst>
+          </p:cNvPr>
+          <p:cNvSpPr/>
+          <p:nvPr/>
+        </p:nvSpPr>
+        <p:spPr>
+          <a:xfrm>
+            <a:off x="5044131" y="288278"/>
+            <a:ext cx="2945983" cy="2655220"/>
+          </a:xfrm>
+          <a:prstGeom prst="rect">
+            <a:avLst/>
+          </a:prstGeom>
+          <a:solidFill>
+            <a:srgbClr val="7D868C"/>
+          </a:solidFill>
+          <a:ln>
+            <a:noFill/>
+          </a:ln>
+        </p:spPr>
+        <p:style>
+          <a:lnRef idx="2">
+            <a:schemeClr val="accent1">
+              <a:shade val="50000"/>
+            </a:schemeClr>
+          </a:lnRef>
+          <a:fillRef idx="1">
+            <a:schemeClr val="accent1"/>
+          </a:fillRef>
+          <a:effectRef idx="0">
+            <a:schemeClr val="accent1"/>
+          </a:effectRef>
+          <a:fontRef idx="minor">
+            <a:schemeClr val="lt1"/>
+          </a:fontRef>
+        </p:style>
+        <p:txBody>
+          <a:bodyPr vert="vert270" rtlCol="0" anchor="t"/>
+          <a:lstStyle/>
+          <a:p>
+            <a:pPr algn="ctr"/>
+            <a:r>
+              <a:rPr lang="en-US" sz="2400" dirty="0"/>
+              <a:t>Retarget</a:t>
+            </a:r>
+            <a:endParaRPr lang="en-US" dirty="0"/>
+          </a:p>
+        </p:txBody>
+      </p:sp>
+      <p:sp>
+        <p:nvSpPr>
+          <p:cNvPr id="19" name="Rectangle 18">
+            <a:extLst>
+              <a:ext uri="{FF2B5EF4-FFF2-40B4-BE49-F238E27FC236}">
+                <a16:creationId xmlns:a16="http://schemas.microsoft.com/office/drawing/2014/main" id="{07F11779-BF14-80A0-8C65-571F52913BA1}"/>
+              </a:ext>
+            </a:extLst>
+          </p:cNvPr>
+          <p:cNvSpPr/>
+          <p:nvPr/>
+        </p:nvSpPr>
+        <p:spPr>
+          <a:xfrm>
+            <a:off x="5685001" y="475017"/>
+            <a:ext cx="1999692" cy="553508"/>
+          </a:xfrm>
+          <a:prstGeom prst="rect">
+            <a:avLst/>
+          </a:prstGeom>
+          <a:solidFill>
+            <a:srgbClr val="002B49"/>
+          </a:solidFill>
+          <a:ln>
+            <a:noFill/>
+          </a:ln>
+        </p:spPr>
+        <p:style>
+          <a:lnRef idx="2">
+            <a:schemeClr val="accent1">
+              <a:shade val="50000"/>
+            </a:schemeClr>
+          </a:lnRef>
+          <a:fillRef idx="1">
+            <a:schemeClr val="accent1"/>
+          </a:fillRef>
+          <a:effectRef idx="0">
+            <a:schemeClr val="accent1"/>
+          </a:effectRef>
+          <a:fontRef idx="minor">
+            <a:schemeClr val="lt1"/>
+          </a:fontRef>
+        </p:style>
+        <p:txBody>
+          <a:bodyPr rtlCol="0" anchor="ctr"/>
+          <a:lstStyle/>
+          <a:p>
+            <a:pPr marL="0" marR="0" lvl="0" indent="0" algn="ctr" defTabSz="914400" rtl="0" eaLnBrk="1" fontAlgn="auto" latinLnBrk="0" hangingPunct="1">
+              <a:lnSpc>
+                <a:spcPct val="100000"/>
+              </a:lnSpc>
+              <a:spcBef>
+                <a:spcPts val="0"/>
+              </a:spcBef>
+              <a:spcAft>
+                <a:spcPts val="0"/>
+              </a:spcAft>
+              <a:buClrTx/>
+              <a:buSzTx/>
+              <a:buFontTx/>
+              <a:buNone/>
+              <a:tabLst/>
+              <a:defRPr/>
+            </a:pPr>
+            <a:r>
+              <a:rPr kumimoji="0" lang="en-US" sz="2000" b="0" i="0" u="none" strike="noStrike" kern="1200" cap="none" spc="0" normalizeH="0" baseline="0" noProof="0" dirty="0">
+                <a:ln>
+                  <a:noFill/>
+                </a:ln>
+                <a:solidFill>
+                  <a:prstClr val="white"/>
+                </a:solidFill>
+                <a:effectLst/>
+                <a:uLnTx/>
+                <a:uFillTx/>
+                <a:latin typeface="Calibri" panose="020F0502020204030204"/>
+                <a:ea typeface="+mn-ea"/>
+                <a:cs typeface="+mn-cs"/>
+              </a:rPr>
+              <a:t>I/O</a:t>
+            </a:r>
+            <a:br>
+              <a:rPr kumimoji="0" lang="en-US" sz="2000" b="0" i="0" u="none" strike="noStrike" kern="1200" cap="none" spc="0" normalizeH="0" baseline="0" noProof="0" dirty="0">
+                <a:ln>
+                  <a:noFill/>
+                </a:ln>
+                <a:solidFill>
+                  <a:prstClr val="white"/>
+                </a:solidFill>
+                <a:effectLst/>
+                <a:uLnTx/>
+                <a:uFillTx/>
+                <a:latin typeface="Calibri" panose="020F0502020204030204"/>
+                <a:ea typeface="+mn-ea"/>
+                <a:cs typeface="+mn-cs"/>
+              </a:rPr>
+            </a:br>
+            <a:r>
+              <a:rPr kumimoji="0" lang="en-US" sz="1050" b="0" i="0" u="none" strike="noStrike" kern="1200" cap="none" spc="0" normalizeH="0" baseline="0" noProof="0" dirty="0">
+                <a:ln>
+                  <a:noFill/>
+                </a:ln>
+                <a:solidFill>
+                  <a:prstClr val="white"/>
+                </a:solidFill>
+                <a:effectLst/>
+                <a:uLnTx/>
+                <a:uFillTx/>
+                <a:latin typeface="Consolas" panose="020B0609020204030204" pitchFamily="49" charset="0"/>
+                <a:ea typeface="+mn-ea"/>
+                <a:cs typeface="+mn-cs"/>
+              </a:rPr>
+              <a:t>File</a:t>
+            </a:r>
+            <a:endParaRPr kumimoji="0" lang="en-US" sz="1200" b="0" i="0" u="none" strike="noStrike" kern="1200" cap="none" spc="0" normalizeH="0" baseline="0" noProof="0" dirty="0">
+              <a:ln>
+                <a:noFill/>
+              </a:ln>
+              <a:solidFill>
+                <a:prstClr val="white"/>
+              </a:solidFill>
+              <a:effectLst/>
+              <a:uLnTx/>
+              <a:uFillTx/>
+              <a:latin typeface="Consolas" panose="020B0609020204030204" pitchFamily="49" charset="0"/>
+              <a:ea typeface="+mn-ea"/>
+              <a:cs typeface="+mn-cs"/>
+            </a:endParaRPr>
+          </a:p>
+        </p:txBody>
+      </p:sp>
+      <p:cxnSp>
+        <p:nvCxnSpPr>
+          <p:cNvPr id="20" name="Straight Arrow Connector 19">
+            <a:extLst>
+              <a:ext uri="{FF2B5EF4-FFF2-40B4-BE49-F238E27FC236}">
+                <a16:creationId xmlns:a16="http://schemas.microsoft.com/office/drawing/2014/main" id="{578CD23D-15A0-6021-0166-26C22138F206}"/>
+              </a:ext>
+            </a:extLst>
+          </p:cNvPr>
+          <p:cNvCxnSpPr>
+            <a:cxnSpLocks/>
+            <a:stCxn id="19" idx="2"/>
+            <a:endCxn id="21" idx="0"/>
+          </p:cNvCxnSpPr>
+          <p:nvPr/>
+        </p:nvCxnSpPr>
+        <p:spPr>
+          <a:xfrm flipH="1">
+            <a:off x="6683280" y="1028525"/>
+            <a:ext cx="1567" cy="463447"/>
+          </a:xfrm>
+          <a:prstGeom prst="straightConnector1">
+            <a:avLst/>
+          </a:prstGeom>
+          <a:ln w="76200">
+            <a:solidFill>
+              <a:srgbClr val="002B49"/>
+            </a:solidFill>
+            <a:tailEnd type="triangle"/>
+          </a:ln>
+        </p:spPr>
+        <p:style>
+          <a:lnRef idx="1">
+            <a:schemeClr val="accent1"/>
+          </a:lnRef>
+          <a:fillRef idx="0">
+            <a:schemeClr val="accent1"/>
+          </a:fillRef>
+          <a:effectRef idx="0">
+            <a:schemeClr val="accent1"/>
+          </a:effectRef>
+          <a:fontRef idx="minor">
+            <a:schemeClr val="tx1"/>
+          </a:fontRef>
+        </p:style>
+      </p:cxnSp>
+      <p:sp>
+        <p:nvSpPr>
+          <p:cNvPr id="21" name="Rectangle 20">
+            <a:extLst>
+              <a:ext uri="{FF2B5EF4-FFF2-40B4-BE49-F238E27FC236}">
+                <a16:creationId xmlns:a16="http://schemas.microsoft.com/office/drawing/2014/main" id="{EF5D587B-E5B9-5A5E-4AC8-41AC56B05DC0}"/>
+              </a:ext>
+            </a:extLst>
+          </p:cNvPr>
+          <p:cNvSpPr/>
+          <p:nvPr/>
+        </p:nvSpPr>
+        <p:spPr>
+          <a:xfrm>
+            <a:off x="5685003" y="1491972"/>
+            <a:ext cx="1996554" cy="1268645"/>
+          </a:xfrm>
+          <a:prstGeom prst="rect">
+            <a:avLst/>
+          </a:prstGeom>
+          <a:solidFill>
+            <a:srgbClr val="002B49"/>
+          </a:solidFill>
+          <a:ln>
+            <a:noFill/>
+          </a:ln>
+        </p:spPr>
+        <p:style>
+          <a:lnRef idx="2">
+            <a:schemeClr val="accent1">
+              <a:shade val="50000"/>
+            </a:schemeClr>
+          </a:lnRef>
+          <a:fillRef idx="1">
+            <a:schemeClr val="accent1"/>
+          </a:fillRef>
+          <a:effectRef idx="0">
+            <a:schemeClr val="accent1"/>
+          </a:effectRef>
+          <a:fontRef idx="minor">
+            <a:schemeClr val="lt1"/>
+          </a:fontRef>
+        </p:style>
+        <p:txBody>
+          <a:bodyPr rtlCol="0" anchor="ctr"/>
+          <a:lstStyle/>
+          <a:p>
+            <a:pPr algn="ctr"/>
+            <a:endParaRPr lang="en-US" dirty="0"/>
+          </a:p>
+        </p:txBody>
+      </p:sp>
+      <p:sp>
+        <p:nvSpPr>
+          <p:cNvPr id="22" name="Rectangle 21">
+            <a:extLst>
+              <a:ext uri="{FF2B5EF4-FFF2-40B4-BE49-F238E27FC236}">
+                <a16:creationId xmlns:a16="http://schemas.microsoft.com/office/drawing/2014/main" id="{0A01C1BB-A307-209C-559B-C1B5581DF257}"/>
+              </a:ext>
+            </a:extLst>
+          </p:cNvPr>
+          <p:cNvSpPr/>
+          <p:nvPr/>
+        </p:nvSpPr>
+        <p:spPr>
+          <a:xfrm>
+            <a:off x="5875560" y="1679639"/>
+            <a:ext cx="1615439" cy="364464"/>
+          </a:xfrm>
+          <a:prstGeom prst="rect">
+            <a:avLst/>
+          </a:prstGeom>
+          <a:solidFill>
+            <a:schemeClr val="tx2"/>
+          </a:solidFill>
+          <a:ln>
+            <a:noFill/>
+          </a:ln>
+        </p:spPr>
+        <p:style>
+          <a:lnRef idx="2">
+            <a:schemeClr val="accent1">
+              <a:shade val="50000"/>
+            </a:schemeClr>
+          </a:lnRef>
+          <a:fillRef idx="1">
+            <a:schemeClr val="accent1"/>
+          </a:fillRef>
+          <a:effectRef idx="0">
+            <a:schemeClr val="accent1"/>
+          </a:effectRef>
+          <a:fontRef idx="minor">
+            <a:schemeClr val="lt1"/>
+          </a:fontRef>
+        </p:style>
+        <p:txBody>
+          <a:bodyPr rtlCol="0" anchor="ctr"/>
+          <a:lstStyle/>
+          <a:p>
+            <a:pPr algn="ctr"/>
+            <a:r>
+              <a:rPr lang="en-US" sz="1200" dirty="0">
+                <a:latin typeface="Consolas" panose="020B0609020204030204" pitchFamily="49" charset="0"/>
+              </a:rPr>
+              <a:t>Breakpoint</a:t>
+            </a:r>
+          </a:p>
+        </p:txBody>
+      </p:sp>
+      <p:sp>
+        <p:nvSpPr>
+          <p:cNvPr id="31" name="Rectangle 30">
+            <a:extLst>
+              <a:ext uri="{FF2B5EF4-FFF2-40B4-BE49-F238E27FC236}">
+                <a16:creationId xmlns:a16="http://schemas.microsoft.com/office/drawing/2014/main" id="{FE761122-8A5D-D56B-9C9E-B577E0CE805F}"/>
+              </a:ext>
+            </a:extLst>
+          </p:cNvPr>
+          <p:cNvSpPr/>
+          <p:nvPr/>
+        </p:nvSpPr>
+        <p:spPr>
+          <a:xfrm>
+            <a:off x="5875559" y="2171204"/>
+            <a:ext cx="1615439" cy="364464"/>
+          </a:xfrm>
+          <a:prstGeom prst="rect">
+            <a:avLst/>
+          </a:prstGeom>
+          <a:solidFill>
+            <a:schemeClr val="tx2"/>
+          </a:solidFill>
+          <a:ln>
+            <a:noFill/>
+          </a:ln>
+        </p:spPr>
+        <p:style>
+          <a:lnRef idx="2">
+            <a:schemeClr val="accent1">
+              <a:shade val="50000"/>
+            </a:schemeClr>
+          </a:lnRef>
+          <a:fillRef idx="1">
+            <a:schemeClr val="accent1"/>
+          </a:fillRef>
+          <a:effectRef idx="0">
+            <a:schemeClr val="accent1"/>
+          </a:effectRef>
+          <a:fontRef idx="minor">
+            <a:schemeClr val="lt1"/>
+          </a:fontRef>
+        </p:style>
+        <p:txBody>
+          <a:bodyPr rtlCol="0" anchor="ctr"/>
+          <a:lstStyle/>
+          <a:p>
+            <a:pPr algn="ctr"/>
+            <a:r>
+              <a:rPr lang="en-US" sz="1200" dirty="0">
+                <a:latin typeface="Consolas" panose="020B0609020204030204" pitchFamily="49" charset="0"/>
+              </a:rPr>
+              <a:t>File Interface</a:t>
+            </a:r>
+          </a:p>
+        </p:txBody>
+      </p:sp>
+    </p:spTree>
+    <p:extLst>
+      <p:ext uri="{BB962C8B-B14F-4D97-AF65-F5344CB8AC3E}">
+        <p14:creationId xmlns:p14="http://schemas.microsoft.com/office/powerpoint/2010/main" val="2782077600"/>
+      </p:ext>
+    </p:extLst>
+  </p:cSld>
+  <p:clrMapOvr>
+    <a:masterClrMapping/>
+  </p:clrMapOvr>
+</p:sld>
+</file>
+
+<file path=ppt/slides/slide4.xml><?xml version="1.0" encoding="utf-8"?>
 <p:sld xmlns:a="http://schemas.openxmlformats.org/drawingml/2006/main" xmlns:r="http://schemas.openxmlformats.org/officeDocument/2006/relationships" xmlns:p="http://schemas.openxmlformats.org/presentationml/2006/main">
   <p:cSld>
     <p:spTree>
